--- a/model.pptx
+++ b/model.pptx
@@ -6,8 +6,10 @@
   </p:sldMasterIdLst>
   <p:sldIdLst>
     <p:sldId id="256" r:id="rId2"/>
-    <p:sldId id="257" r:id="rId3"/>
-    <p:sldId id="258" r:id="rId4"/>
+    <p:sldId id="259" r:id="rId3"/>
+    <p:sldId id="260" r:id="rId4"/>
+    <p:sldId id="257" r:id="rId5"/>
+    <p:sldId id="258" r:id="rId6"/>
   </p:sldIdLst>
   <p:sldSz cx="12192000" cy="6858000"/>
   <p:notesSz cx="6858000" cy="9144000"/>
@@ -106,6 +108,11 @@
       </a:defRPr>
     </a:lvl9pPr>
   </p:defaultTextStyle>
+  <p:extLst>
+    <p:ext uri="{EFAFB233-063F-42B5-8137-9DF3F51BA10A}">
+      <p15:sldGuideLst xmlns:p15="http://schemas.microsoft.com/office/powerpoint/2012/main"/>
+    </p:ext>
+  </p:extLst>
 </p:presentation>
 </file>
 
@@ -256,7 +263,7 @@
           <a:p>
             <a:fld id="{9781FC55-7600-4040-8FFA-A849FF4DA027}" type="datetimeFigureOut">
               <a:rPr lang="zh-CN" altLang="en-US" smtClean="0"/>
-              <a:t>2023/5/23</a:t>
+              <a:t>2023/5/25</a:t>
             </a:fld>
             <a:endParaRPr lang="zh-CN" altLang="en-US"/>
           </a:p>
@@ -454,7 +461,7 @@
           <a:p>
             <a:fld id="{9781FC55-7600-4040-8FFA-A849FF4DA027}" type="datetimeFigureOut">
               <a:rPr lang="zh-CN" altLang="en-US" smtClean="0"/>
-              <a:t>2023/5/23</a:t>
+              <a:t>2023/5/25</a:t>
             </a:fld>
             <a:endParaRPr lang="zh-CN" altLang="en-US"/>
           </a:p>
@@ -662,7 +669,7 @@
           <a:p>
             <a:fld id="{9781FC55-7600-4040-8FFA-A849FF4DA027}" type="datetimeFigureOut">
               <a:rPr lang="zh-CN" altLang="en-US" smtClean="0"/>
-              <a:t>2023/5/23</a:t>
+              <a:t>2023/5/25</a:t>
             </a:fld>
             <a:endParaRPr lang="zh-CN" altLang="en-US"/>
           </a:p>
@@ -860,7 +867,7 @@
           <a:p>
             <a:fld id="{9781FC55-7600-4040-8FFA-A849FF4DA027}" type="datetimeFigureOut">
               <a:rPr lang="zh-CN" altLang="en-US" smtClean="0"/>
-              <a:t>2023/5/23</a:t>
+              <a:t>2023/5/25</a:t>
             </a:fld>
             <a:endParaRPr lang="zh-CN" altLang="en-US"/>
           </a:p>
@@ -1135,7 +1142,7 @@
           <a:p>
             <a:fld id="{9781FC55-7600-4040-8FFA-A849FF4DA027}" type="datetimeFigureOut">
               <a:rPr lang="zh-CN" altLang="en-US" smtClean="0"/>
-              <a:t>2023/5/23</a:t>
+              <a:t>2023/5/25</a:t>
             </a:fld>
             <a:endParaRPr lang="zh-CN" altLang="en-US"/>
           </a:p>
@@ -1400,7 +1407,7 @@
           <a:p>
             <a:fld id="{9781FC55-7600-4040-8FFA-A849FF4DA027}" type="datetimeFigureOut">
               <a:rPr lang="zh-CN" altLang="en-US" smtClean="0"/>
-              <a:t>2023/5/23</a:t>
+              <a:t>2023/5/25</a:t>
             </a:fld>
             <a:endParaRPr lang="zh-CN" altLang="en-US"/>
           </a:p>
@@ -1812,7 +1819,7 @@
           <a:p>
             <a:fld id="{9781FC55-7600-4040-8FFA-A849FF4DA027}" type="datetimeFigureOut">
               <a:rPr lang="zh-CN" altLang="en-US" smtClean="0"/>
-              <a:t>2023/5/23</a:t>
+              <a:t>2023/5/25</a:t>
             </a:fld>
             <a:endParaRPr lang="zh-CN" altLang="en-US"/>
           </a:p>
@@ -1953,7 +1960,7 @@
           <a:p>
             <a:fld id="{9781FC55-7600-4040-8FFA-A849FF4DA027}" type="datetimeFigureOut">
               <a:rPr lang="zh-CN" altLang="en-US" smtClean="0"/>
-              <a:t>2023/5/23</a:t>
+              <a:t>2023/5/25</a:t>
             </a:fld>
             <a:endParaRPr lang="zh-CN" altLang="en-US"/>
           </a:p>
@@ -2066,7 +2073,7 @@
           <a:p>
             <a:fld id="{9781FC55-7600-4040-8FFA-A849FF4DA027}" type="datetimeFigureOut">
               <a:rPr lang="zh-CN" altLang="en-US" smtClean="0"/>
-              <a:t>2023/5/23</a:t>
+              <a:t>2023/5/25</a:t>
             </a:fld>
             <a:endParaRPr lang="zh-CN" altLang="en-US"/>
           </a:p>
@@ -2377,7 +2384,7 @@
           <a:p>
             <a:fld id="{9781FC55-7600-4040-8FFA-A849FF4DA027}" type="datetimeFigureOut">
               <a:rPr lang="zh-CN" altLang="en-US" smtClean="0"/>
-              <a:t>2023/5/23</a:t>
+              <a:t>2023/5/25</a:t>
             </a:fld>
             <a:endParaRPr lang="zh-CN" altLang="en-US"/>
           </a:p>
@@ -2665,7 +2672,7 @@
           <a:p>
             <a:fld id="{9781FC55-7600-4040-8FFA-A849FF4DA027}" type="datetimeFigureOut">
               <a:rPr lang="zh-CN" altLang="en-US" smtClean="0"/>
-              <a:t>2023/5/23</a:t>
+              <a:t>2023/5/25</a:t>
             </a:fld>
             <a:endParaRPr lang="zh-CN" altLang="en-US"/>
           </a:p>
@@ -2906,7 +2913,7 @@
           <a:p>
             <a:fld id="{9781FC55-7600-4040-8FFA-A849FF4DA027}" type="datetimeFigureOut">
               <a:rPr lang="zh-CN" altLang="en-US" smtClean="0"/>
-              <a:t>2023/5/23</a:t>
+              <a:t>2023/5/25</a:t>
             </a:fld>
             <a:endParaRPr lang="zh-CN" altLang="en-US"/>
           </a:p>
@@ -4966,6 +4973,4245 @@
       </p:grpSpPr>
       <p:grpSp>
         <p:nvGrpSpPr>
+          <p:cNvPr id="73" name="组合 72">
+            <a:extLst>
+              <a:ext uri="{FF2B5EF4-FFF2-40B4-BE49-F238E27FC236}">
+                <a16:creationId xmlns:a16="http://schemas.microsoft.com/office/drawing/2014/main" id="{05834819-B4C5-A7F0-C804-F7BC8EFBDAB0}"/>
+              </a:ext>
+            </a:extLst>
+          </p:cNvPr>
+          <p:cNvGrpSpPr/>
+          <p:nvPr/>
+        </p:nvGrpSpPr>
+        <p:grpSpPr>
+          <a:xfrm>
+            <a:off x="637673" y="256933"/>
+            <a:ext cx="8637779" cy="7023893"/>
+            <a:chOff x="491899" y="210550"/>
+            <a:chExt cx="8637779" cy="7023893"/>
+          </a:xfrm>
+        </p:grpSpPr>
+        <p:sp>
+          <p:nvSpPr>
+            <p:cNvPr id="4" name="矩形 3">
+              <a:extLst>
+                <a:ext uri="{FF2B5EF4-FFF2-40B4-BE49-F238E27FC236}">
+                  <a16:creationId xmlns:a16="http://schemas.microsoft.com/office/drawing/2014/main" id="{2E723F22-EC23-47DE-8407-2C44E4754E28}"/>
+                </a:ext>
+              </a:extLst>
+            </p:cNvPr>
+            <p:cNvSpPr/>
+            <p:nvPr/>
+          </p:nvSpPr>
+          <p:spPr>
+            <a:xfrm>
+              <a:off x="491899" y="433138"/>
+              <a:ext cx="967933" cy="545430"/>
+            </a:xfrm>
+            <a:prstGeom prst="rect">
+              <a:avLst/>
+            </a:prstGeom>
+            <a:noFill/>
+            <a:ln w="19050">
+              <a:solidFill>
+                <a:schemeClr val="tx1"/>
+              </a:solidFill>
+            </a:ln>
+          </p:spPr>
+          <p:style>
+            <a:lnRef idx="2">
+              <a:schemeClr val="accent1">
+                <a:shade val="50000"/>
+              </a:schemeClr>
+            </a:lnRef>
+            <a:fillRef idx="1">
+              <a:schemeClr val="accent1"/>
+            </a:fillRef>
+            <a:effectRef idx="0">
+              <a:schemeClr val="accent1"/>
+            </a:effectRef>
+            <a:fontRef idx="minor">
+              <a:schemeClr val="lt1"/>
+            </a:fontRef>
+          </p:style>
+          <p:txBody>
+            <a:bodyPr rtlCol="0" anchor="ctr"/>
+            <a:lstStyle/>
+            <a:p>
+              <a:pPr algn="ctr"/>
+              <a:r>
+                <a:rPr lang="zh-CN" altLang="en-US" sz="1600" dirty="0">
+                  <a:solidFill>
+                    <a:schemeClr val="tx1"/>
+                  </a:solidFill>
+                </a:rPr>
+                <a:t>电路模型建立</a:t>
+              </a:r>
+              <a:endParaRPr lang="en-US" altLang="zh-CN" sz="1600" dirty="0">
+                <a:solidFill>
+                  <a:schemeClr val="tx1"/>
+                </a:solidFill>
+              </a:endParaRPr>
+            </a:p>
+          </p:txBody>
+        </p:sp>
+        <p:sp>
+          <p:nvSpPr>
+            <p:cNvPr id="6" name="矩形 5">
+              <a:extLst>
+                <a:ext uri="{FF2B5EF4-FFF2-40B4-BE49-F238E27FC236}">
+                  <a16:creationId xmlns:a16="http://schemas.microsoft.com/office/drawing/2014/main" id="{41C5CC8A-5B18-4BF7-914D-E603EFFC12FF}"/>
+                </a:ext>
+              </a:extLst>
+            </p:cNvPr>
+            <p:cNvSpPr/>
+            <p:nvPr/>
+          </p:nvSpPr>
+          <p:spPr>
+            <a:xfrm>
+              <a:off x="1839436" y="372979"/>
+              <a:ext cx="1433153" cy="665747"/>
+            </a:xfrm>
+            <a:prstGeom prst="rect">
+              <a:avLst/>
+            </a:prstGeom>
+            <a:noFill/>
+            <a:ln w="19050">
+              <a:solidFill>
+                <a:schemeClr val="tx1"/>
+              </a:solidFill>
+            </a:ln>
+          </p:spPr>
+          <p:style>
+            <a:lnRef idx="2">
+              <a:schemeClr val="accent1">
+                <a:shade val="50000"/>
+              </a:schemeClr>
+            </a:lnRef>
+            <a:fillRef idx="1">
+              <a:schemeClr val="accent1"/>
+            </a:fillRef>
+            <a:effectRef idx="0">
+              <a:schemeClr val="accent1"/>
+            </a:effectRef>
+            <a:fontRef idx="minor">
+              <a:schemeClr val="lt1"/>
+            </a:fontRef>
+          </p:style>
+          <p:txBody>
+            <a:bodyPr rtlCol="0" anchor="ctr"/>
+            <a:lstStyle/>
+            <a:p>
+              <a:pPr algn="ctr"/>
+              <a:r>
+                <a:rPr lang="zh-CN" altLang="en-US" dirty="0">
+                  <a:solidFill>
+                    <a:schemeClr val="tx1"/>
+                  </a:solidFill>
+                </a:rPr>
+                <a:t>初始化的节点值为</a:t>
+              </a:r>
+              <a:r>
+                <a:rPr lang="en-US" altLang="zh-CN" dirty="0">
+                  <a:solidFill>
+                    <a:schemeClr val="tx1"/>
+                  </a:solidFill>
+                </a:rPr>
+                <a:t>X</a:t>
+              </a:r>
+            </a:p>
+          </p:txBody>
+        </p:sp>
+        <p:sp>
+          <p:nvSpPr>
+            <p:cNvPr id="7" name="矩形 6">
+              <a:extLst>
+                <a:ext uri="{FF2B5EF4-FFF2-40B4-BE49-F238E27FC236}">
+                  <a16:creationId xmlns:a16="http://schemas.microsoft.com/office/drawing/2014/main" id="{FB9828CE-7151-4DB0-A243-030C5BE3816B}"/>
+                </a:ext>
+              </a:extLst>
+            </p:cNvPr>
+            <p:cNvSpPr/>
+            <p:nvPr/>
+          </p:nvSpPr>
+          <p:spPr>
+            <a:xfrm>
+              <a:off x="3652193" y="372978"/>
+              <a:ext cx="1657740" cy="665747"/>
+            </a:xfrm>
+            <a:prstGeom prst="rect">
+              <a:avLst/>
+            </a:prstGeom>
+            <a:noFill/>
+            <a:ln w="19050">
+              <a:solidFill>
+                <a:schemeClr val="tx1"/>
+              </a:solidFill>
+            </a:ln>
+          </p:spPr>
+          <p:style>
+            <a:lnRef idx="2">
+              <a:schemeClr val="accent1">
+                <a:shade val="50000"/>
+              </a:schemeClr>
+            </a:lnRef>
+            <a:fillRef idx="1">
+              <a:schemeClr val="accent1"/>
+            </a:fillRef>
+            <a:effectRef idx="0">
+              <a:schemeClr val="accent1"/>
+            </a:effectRef>
+            <a:fontRef idx="minor">
+              <a:schemeClr val="lt1"/>
+            </a:fontRef>
+          </p:style>
+          <p:txBody>
+            <a:bodyPr rtlCol="0" anchor="ctr"/>
+            <a:lstStyle/>
+            <a:p>
+              <a:pPr algn="ctr"/>
+              <a:r>
+                <a:rPr lang="zh-CN" altLang="en-US" dirty="0">
+                  <a:solidFill>
+                    <a:schemeClr val="tx1"/>
+                  </a:solidFill>
+                </a:rPr>
+                <a:t>在故障节点建立初始目标</a:t>
+              </a:r>
+              <a:r>
+                <a:rPr lang="en-US" altLang="zh-CN" dirty="0">
+                  <a:solidFill>
+                    <a:schemeClr val="tx1"/>
+                  </a:solidFill>
+                </a:rPr>
+                <a:t>D</a:t>
+              </a:r>
+            </a:p>
+          </p:txBody>
+        </p:sp>
+        <p:sp>
+          <p:nvSpPr>
+            <p:cNvPr id="8" name="矩形 7">
+              <a:extLst>
+                <a:ext uri="{FF2B5EF4-FFF2-40B4-BE49-F238E27FC236}">
+                  <a16:creationId xmlns:a16="http://schemas.microsoft.com/office/drawing/2014/main" id="{B1377E59-A988-446C-A8F7-61D07E9DC0AF}"/>
+                </a:ext>
+              </a:extLst>
+            </p:cNvPr>
+            <p:cNvSpPr/>
+            <p:nvPr/>
+          </p:nvSpPr>
+          <p:spPr>
+            <a:xfrm>
+              <a:off x="5785844" y="210550"/>
+              <a:ext cx="2192449" cy="990602"/>
+            </a:xfrm>
+            <a:prstGeom prst="rect">
+              <a:avLst/>
+            </a:prstGeom>
+            <a:noFill/>
+            <a:ln w="19050">
+              <a:solidFill>
+                <a:schemeClr val="tx1"/>
+              </a:solidFill>
+            </a:ln>
+          </p:spPr>
+          <p:style>
+            <a:lnRef idx="2">
+              <a:schemeClr val="accent1">
+                <a:shade val="50000"/>
+              </a:schemeClr>
+            </a:lnRef>
+            <a:fillRef idx="1">
+              <a:schemeClr val="accent1"/>
+            </a:fillRef>
+            <a:effectRef idx="0">
+              <a:schemeClr val="accent1"/>
+            </a:effectRef>
+            <a:fontRef idx="minor">
+              <a:schemeClr val="lt1"/>
+            </a:fontRef>
+          </p:style>
+          <p:txBody>
+            <a:bodyPr rtlCol="0" anchor="ctr"/>
+            <a:lstStyle/>
+            <a:p>
+              <a:pPr algn="ctr"/>
+              <a:r>
+                <a:rPr lang="zh-CN" altLang="en-US" dirty="0">
+                  <a:solidFill>
+                    <a:schemeClr val="tx1"/>
+                  </a:solidFill>
+                </a:rPr>
+                <a:t>根据可控性判定进行回溯，直至给一个新的</a:t>
+              </a:r>
+              <a:r>
+                <a:rPr lang="en-US" altLang="zh-CN" dirty="0">
+                  <a:solidFill>
+                    <a:schemeClr val="tx1"/>
+                  </a:solidFill>
+                </a:rPr>
+                <a:t>PI</a:t>
+              </a:r>
+              <a:r>
+                <a:rPr lang="zh-CN" altLang="en-US" dirty="0">
+                  <a:solidFill>
+                    <a:schemeClr val="tx1"/>
+                  </a:solidFill>
+                </a:rPr>
+                <a:t>赋值</a:t>
+              </a:r>
+              <a:endParaRPr lang="en-US" altLang="zh-CN" dirty="0">
+                <a:solidFill>
+                  <a:schemeClr val="tx1"/>
+                </a:solidFill>
+              </a:endParaRPr>
+            </a:p>
+          </p:txBody>
+        </p:sp>
+        <p:sp>
+          <p:nvSpPr>
+            <p:cNvPr id="9" name="矩形 8">
+              <a:extLst>
+                <a:ext uri="{FF2B5EF4-FFF2-40B4-BE49-F238E27FC236}">
+                  <a16:creationId xmlns:a16="http://schemas.microsoft.com/office/drawing/2014/main" id="{70F8F8A5-E5B8-4A77-9E9C-89D76E615DCA}"/>
+                </a:ext>
+              </a:extLst>
+            </p:cNvPr>
+            <p:cNvSpPr/>
+            <p:nvPr/>
+          </p:nvSpPr>
+          <p:spPr>
+            <a:xfrm>
+              <a:off x="5505087" y="1670098"/>
+              <a:ext cx="2753963" cy="665747"/>
+            </a:xfrm>
+            <a:prstGeom prst="rect">
+              <a:avLst/>
+            </a:prstGeom>
+            <a:noFill/>
+            <a:ln w="19050">
+              <a:solidFill>
+                <a:schemeClr val="tx1"/>
+              </a:solidFill>
+            </a:ln>
+          </p:spPr>
+          <p:style>
+            <a:lnRef idx="2">
+              <a:schemeClr val="accent1">
+                <a:shade val="50000"/>
+              </a:schemeClr>
+            </a:lnRef>
+            <a:fillRef idx="1">
+              <a:schemeClr val="accent1"/>
+            </a:fillRef>
+            <a:effectRef idx="0">
+              <a:schemeClr val="accent1"/>
+            </a:effectRef>
+            <a:fontRef idx="minor">
+              <a:schemeClr val="lt1"/>
+            </a:fontRef>
+          </p:style>
+          <p:txBody>
+            <a:bodyPr rtlCol="0" anchor="ctr"/>
+            <a:lstStyle/>
+            <a:p>
+              <a:pPr algn="ctr"/>
+              <a:r>
+                <a:rPr lang="zh-CN" altLang="en-US">
+                  <a:solidFill>
+                    <a:schemeClr val="tx1"/>
+                  </a:solidFill>
+                </a:rPr>
+                <a:t>确定由已赋值原始输入确定的电路节点之值</a:t>
+              </a:r>
+              <a:endParaRPr lang="en-US" altLang="zh-CN" dirty="0">
+                <a:solidFill>
+                  <a:schemeClr val="tx1"/>
+                </a:solidFill>
+              </a:endParaRPr>
+            </a:p>
+          </p:txBody>
+        </p:sp>
+        <p:sp>
+          <p:nvSpPr>
+            <p:cNvPr id="11" name="矩形 10">
+              <a:extLst>
+                <a:ext uri="{FF2B5EF4-FFF2-40B4-BE49-F238E27FC236}">
+                  <a16:creationId xmlns:a16="http://schemas.microsoft.com/office/drawing/2014/main" id="{889E746D-5FDD-4A73-919D-E98D61965593}"/>
+                </a:ext>
+              </a:extLst>
+            </p:cNvPr>
+            <p:cNvSpPr/>
+            <p:nvPr/>
+          </p:nvSpPr>
+          <p:spPr>
+            <a:xfrm>
+              <a:off x="4074783" y="2827418"/>
+              <a:ext cx="1080228" cy="481263"/>
+            </a:xfrm>
+            <a:prstGeom prst="rect">
+              <a:avLst/>
+            </a:prstGeom>
+            <a:noFill/>
+            <a:ln w="19050">
+              <a:solidFill>
+                <a:schemeClr val="tx1"/>
+              </a:solidFill>
+            </a:ln>
+          </p:spPr>
+          <p:style>
+            <a:lnRef idx="2">
+              <a:schemeClr val="accent1">
+                <a:shade val="50000"/>
+              </a:schemeClr>
+            </a:lnRef>
+            <a:fillRef idx="1">
+              <a:schemeClr val="accent1"/>
+            </a:fillRef>
+            <a:effectRef idx="0">
+              <a:schemeClr val="accent1"/>
+            </a:effectRef>
+            <a:fontRef idx="minor">
+              <a:schemeClr val="lt1"/>
+            </a:fontRef>
+          </p:style>
+          <p:txBody>
+            <a:bodyPr rtlCol="0" anchor="ctr"/>
+            <a:lstStyle/>
+            <a:p>
+              <a:pPr algn="ctr"/>
+              <a:r>
+                <a:rPr lang="zh-CN" altLang="en-US">
+                  <a:solidFill>
+                    <a:schemeClr val="tx1"/>
+                  </a:solidFill>
+                </a:rPr>
+                <a:t>结束</a:t>
+              </a:r>
+              <a:endParaRPr lang="en-US" altLang="zh-CN" dirty="0">
+                <a:solidFill>
+                  <a:schemeClr val="tx1"/>
+                </a:solidFill>
+              </a:endParaRPr>
+            </a:p>
+          </p:txBody>
+        </p:sp>
+        <p:sp>
+          <p:nvSpPr>
+            <p:cNvPr id="13" name="矩形 12">
+              <a:extLst>
+                <a:ext uri="{FF2B5EF4-FFF2-40B4-BE49-F238E27FC236}">
+                  <a16:creationId xmlns:a16="http://schemas.microsoft.com/office/drawing/2014/main" id="{84120C25-3C56-44F5-8C86-389A99214F58}"/>
+                </a:ext>
+              </a:extLst>
+            </p:cNvPr>
+            <p:cNvSpPr/>
+            <p:nvPr/>
+          </p:nvSpPr>
+          <p:spPr>
+            <a:xfrm>
+              <a:off x="4074783" y="4146503"/>
+              <a:ext cx="1021286" cy="429439"/>
+            </a:xfrm>
+            <a:prstGeom prst="rect">
+              <a:avLst/>
+            </a:prstGeom>
+            <a:noFill/>
+            <a:ln w="19050">
+              <a:solidFill>
+                <a:schemeClr val="tx1"/>
+              </a:solidFill>
+            </a:ln>
+          </p:spPr>
+          <p:style>
+            <a:lnRef idx="2">
+              <a:schemeClr val="accent1">
+                <a:shade val="50000"/>
+              </a:schemeClr>
+            </a:lnRef>
+            <a:fillRef idx="1">
+              <a:schemeClr val="accent1"/>
+            </a:fillRef>
+            <a:effectRef idx="0">
+              <a:schemeClr val="accent1"/>
+            </a:effectRef>
+            <a:fontRef idx="minor">
+              <a:schemeClr val="lt1"/>
+            </a:fontRef>
+          </p:style>
+          <p:txBody>
+            <a:bodyPr rtlCol="0" anchor="ctr"/>
+            <a:lstStyle/>
+            <a:p>
+              <a:pPr algn="ctr"/>
+              <a:r>
+                <a:rPr lang="zh-CN" altLang="en-US">
+                  <a:solidFill>
+                    <a:schemeClr val="tx1"/>
+                  </a:solidFill>
+                </a:rPr>
+                <a:t>失败</a:t>
+              </a:r>
+              <a:endParaRPr lang="en-US" altLang="zh-CN" dirty="0">
+                <a:solidFill>
+                  <a:schemeClr val="tx1"/>
+                </a:solidFill>
+              </a:endParaRPr>
+            </a:p>
+          </p:txBody>
+        </p:sp>
+        <p:sp>
+          <p:nvSpPr>
+            <p:cNvPr id="14" name="矩形 13">
+              <a:extLst>
+                <a:ext uri="{FF2B5EF4-FFF2-40B4-BE49-F238E27FC236}">
+                  <a16:creationId xmlns:a16="http://schemas.microsoft.com/office/drawing/2014/main" id="{7B64B2A5-73B3-4ABD-95B6-BE1F7ADE159D}"/>
+                </a:ext>
+              </a:extLst>
+            </p:cNvPr>
+            <p:cNvSpPr/>
+            <p:nvPr/>
+          </p:nvSpPr>
+          <p:spPr>
+            <a:xfrm>
+              <a:off x="5538537" y="6492482"/>
+              <a:ext cx="2687054" cy="741961"/>
+            </a:xfrm>
+            <a:prstGeom prst="rect">
+              <a:avLst/>
+            </a:prstGeom>
+            <a:noFill/>
+            <a:ln w="19050">
+              <a:solidFill>
+                <a:schemeClr val="tx1"/>
+              </a:solidFill>
+            </a:ln>
+          </p:spPr>
+          <p:style>
+            <a:lnRef idx="2">
+              <a:schemeClr val="accent1">
+                <a:shade val="50000"/>
+              </a:schemeClr>
+            </a:lnRef>
+            <a:fillRef idx="1">
+              <a:schemeClr val="accent1"/>
+            </a:fillRef>
+            <a:effectRef idx="0">
+              <a:schemeClr val="accent1"/>
+            </a:effectRef>
+            <a:fontRef idx="minor">
+              <a:schemeClr val="lt1"/>
+            </a:fontRef>
+          </p:style>
+          <p:txBody>
+            <a:bodyPr rtlCol="0" anchor="ctr"/>
+            <a:lstStyle/>
+            <a:p>
+              <a:pPr algn="ctr"/>
+              <a:r>
+                <a:rPr lang="zh-CN" altLang="en-US">
+                  <a:solidFill>
+                    <a:schemeClr val="tx1"/>
+                  </a:solidFill>
+                </a:rPr>
+                <a:t>选择原始输入为另一个可能的取值</a:t>
+              </a:r>
+              <a:endParaRPr lang="en-US" altLang="zh-CN" dirty="0">
+                <a:solidFill>
+                  <a:schemeClr val="tx1"/>
+                </a:solidFill>
+              </a:endParaRPr>
+            </a:p>
+          </p:txBody>
+        </p:sp>
+        <p:sp>
+          <p:nvSpPr>
+            <p:cNvPr id="15" name="流程图: 决策 14">
+              <a:extLst>
+                <a:ext uri="{FF2B5EF4-FFF2-40B4-BE49-F238E27FC236}">
+                  <a16:creationId xmlns:a16="http://schemas.microsoft.com/office/drawing/2014/main" id="{B926769D-1317-474A-B7C6-99C39BEFA6E9}"/>
+                </a:ext>
+              </a:extLst>
+            </p:cNvPr>
+            <p:cNvSpPr/>
+            <p:nvPr/>
+          </p:nvSpPr>
+          <p:spPr>
+            <a:xfrm>
+              <a:off x="5645466" y="2572749"/>
+              <a:ext cx="2473206" cy="990602"/>
+            </a:xfrm>
+            <a:prstGeom prst="flowChartDecision">
+              <a:avLst/>
+            </a:prstGeom>
+            <a:noFill/>
+            <a:ln w="19050">
+              <a:solidFill>
+                <a:schemeClr val="tx1"/>
+              </a:solidFill>
+            </a:ln>
+          </p:spPr>
+          <p:style>
+            <a:lnRef idx="2">
+              <a:schemeClr val="accent1">
+                <a:shade val="50000"/>
+              </a:schemeClr>
+            </a:lnRef>
+            <a:fillRef idx="1">
+              <a:schemeClr val="accent1"/>
+            </a:fillRef>
+            <a:effectRef idx="0">
+              <a:schemeClr val="accent1"/>
+            </a:effectRef>
+            <a:fontRef idx="minor">
+              <a:schemeClr val="lt1"/>
+            </a:fontRef>
+          </p:style>
+          <p:txBody>
+            <a:bodyPr rtlCol="0" anchor="ctr"/>
+            <a:lstStyle/>
+            <a:p>
+              <a:pPr algn="ctr"/>
+              <a:r>
+                <a:rPr lang="en-US" altLang="zh-CN" dirty="0">
+                  <a:solidFill>
+                    <a:schemeClr val="tx1"/>
+                  </a:solidFill>
+                </a:rPr>
+                <a:t>PO</a:t>
+              </a:r>
+              <a:r>
+                <a:rPr lang="zh-CN" altLang="en-US">
+                  <a:solidFill>
+                    <a:schemeClr val="tx1"/>
+                  </a:solidFill>
+                </a:rPr>
+                <a:t>端是否可测故障</a:t>
+              </a:r>
+              <a:endParaRPr lang="zh-CN" altLang="en-US" dirty="0">
+                <a:solidFill>
+                  <a:schemeClr val="tx1"/>
+                </a:solidFill>
+              </a:endParaRPr>
+            </a:p>
+          </p:txBody>
+        </p:sp>
+        <p:sp>
+          <p:nvSpPr>
+            <p:cNvPr id="16" name="流程图: 决策 15">
+              <a:extLst>
+                <a:ext uri="{FF2B5EF4-FFF2-40B4-BE49-F238E27FC236}">
+                  <a16:creationId xmlns:a16="http://schemas.microsoft.com/office/drawing/2014/main" id="{961A040F-1699-49A9-8DC8-6D0DD16A215B}"/>
+                </a:ext>
+              </a:extLst>
+            </p:cNvPr>
+            <p:cNvSpPr/>
+            <p:nvPr/>
+          </p:nvSpPr>
+          <p:spPr>
+            <a:xfrm>
+              <a:off x="5538538" y="3877544"/>
+              <a:ext cx="2687055" cy="966536"/>
+            </a:xfrm>
+            <a:prstGeom prst="flowChartDecision">
+              <a:avLst/>
+            </a:prstGeom>
+            <a:noFill/>
+            <a:ln w="19050">
+              <a:solidFill>
+                <a:schemeClr val="tx1"/>
+              </a:solidFill>
+            </a:ln>
+          </p:spPr>
+          <p:style>
+            <a:lnRef idx="2">
+              <a:schemeClr val="accent1">
+                <a:shade val="50000"/>
+              </a:schemeClr>
+            </a:lnRef>
+            <a:fillRef idx="1">
+              <a:schemeClr val="accent1"/>
+            </a:fillRef>
+            <a:effectRef idx="0">
+              <a:schemeClr val="accent1"/>
+            </a:effectRef>
+            <a:fontRef idx="minor">
+              <a:schemeClr val="lt1"/>
+            </a:fontRef>
+          </p:style>
+          <p:txBody>
+            <a:bodyPr rtlCol="0" anchor="ctr"/>
+            <a:lstStyle/>
+            <a:p>
+              <a:pPr algn="ctr"/>
+              <a:r>
+                <a:rPr lang="zh-CN" altLang="en-US">
+                  <a:solidFill>
+                    <a:schemeClr val="tx1"/>
+                  </a:solidFill>
+                </a:rPr>
+                <a:t>是否有未赋值输入</a:t>
+              </a:r>
+              <a:endParaRPr lang="zh-CN" altLang="en-US" dirty="0">
+                <a:solidFill>
+                  <a:schemeClr val="tx1"/>
+                </a:solidFill>
+              </a:endParaRPr>
+            </a:p>
+          </p:txBody>
+        </p:sp>
+        <p:cxnSp>
+          <p:nvCxnSpPr>
+            <p:cNvPr id="18" name="直接箭头连接符 17">
+              <a:extLst>
+                <a:ext uri="{FF2B5EF4-FFF2-40B4-BE49-F238E27FC236}">
+                  <a16:creationId xmlns:a16="http://schemas.microsoft.com/office/drawing/2014/main" id="{650DB4F5-9CD4-4BB4-B267-2F913074B854}"/>
+                </a:ext>
+              </a:extLst>
+            </p:cNvPr>
+            <p:cNvCxnSpPr>
+              <a:stCxn id="4" idx="3"/>
+              <a:endCxn id="6" idx="1"/>
+            </p:cNvCxnSpPr>
+            <p:nvPr/>
+          </p:nvCxnSpPr>
+          <p:spPr>
+            <a:xfrm>
+              <a:off x="1459832" y="705853"/>
+              <a:ext cx="379604" cy="0"/>
+            </a:xfrm>
+            <a:prstGeom prst="straightConnector1">
+              <a:avLst/>
+            </a:prstGeom>
+            <a:ln>
+              <a:tailEnd type="triangle"/>
+            </a:ln>
+          </p:spPr>
+          <p:style>
+            <a:lnRef idx="2">
+              <a:schemeClr val="dk1"/>
+            </a:lnRef>
+            <a:fillRef idx="0">
+              <a:schemeClr val="dk1"/>
+            </a:fillRef>
+            <a:effectRef idx="1">
+              <a:schemeClr val="dk1"/>
+            </a:effectRef>
+            <a:fontRef idx="minor">
+              <a:schemeClr val="tx1"/>
+            </a:fontRef>
+          </p:style>
+        </p:cxnSp>
+        <p:cxnSp>
+          <p:nvCxnSpPr>
+            <p:cNvPr id="20" name="直接箭头连接符 19">
+              <a:extLst>
+                <a:ext uri="{FF2B5EF4-FFF2-40B4-BE49-F238E27FC236}">
+                  <a16:creationId xmlns:a16="http://schemas.microsoft.com/office/drawing/2014/main" id="{DEF4B809-8700-47B9-BF1B-618415C3E2DA}"/>
+                </a:ext>
+              </a:extLst>
+            </p:cNvPr>
+            <p:cNvCxnSpPr>
+              <a:stCxn id="6" idx="3"/>
+              <a:endCxn id="7" idx="1"/>
+            </p:cNvCxnSpPr>
+            <p:nvPr/>
+          </p:nvCxnSpPr>
+          <p:spPr>
+            <a:xfrm flipV="1">
+              <a:off x="3272589" y="705852"/>
+              <a:ext cx="379604" cy="1"/>
+            </a:xfrm>
+            <a:prstGeom prst="straightConnector1">
+              <a:avLst/>
+            </a:prstGeom>
+            <a:ln>
+              <a:tailEnd type="triangle"/>
+            </a:ln>
+          </p:spPr>
+          <p:style>
+            <a:lnRef idx="2">
+              <a:schemeClr val="dk1"/>
+            </a:lnRef>
+            <a:fillRef idx="0">
+              <a:schemeClr val="dk1"/>
+            </a:fillRef>
+            <a:effectRef idx="1">
+              <a:schemeClr val="dk1"/>
+            </a:effectRef>
+            <a:fontRef idx="minor">
+              <a:schemeClr val="tx1"/>
+            </a:fontRef>
+          </p:style>
+        </p:cxnSp>
+        <p:cxnSp>
+          <p:nvCxnSpPr>
+            <p:cNvPr id="22" name="直接箭头连接符 21">
+              <a:extLst>
+                <a:ext uri="{FF2B5EF4-FFF2-40B4-BE49-F238E27FC236}">
+                  <a16:creationId xmlns:a16="http://schemas.microsoft.com/office/drawing/2014/main" id="{4F765281-8169-4771-B2C7-4C2F65116F1D}"/>
+                </a:ext>
+              </a:extLst>
+            </p:cNvPr>
+            <p:cNvCxnSpPr>
+              <a:stCxn id="7" idx="3"/>
+              <a:endCxn id="8" idx="1"/>
+            </p:cNvCxnSpPr>
+            <p:nvPr/>
+          </p:nvCxnSpPr>
+          <p:spPr>
+            <a:xfrm flipV="1">
+              <a:off x="5309933" y="705851"/>
+              <a:ext cx="475911" cy="1"/>
+            </a:xfrm>
+            <a:prstGeom prst="straightConnector1">
+              <a:avLst/>
+            </a:prstGeom>
+            <a:ln>
+              <a:tailEnd type="triangle"/>
+            </a:ln>
+          </p:spPr>
+          <p:style>
+            <a:lnRef idx="2">
+              <a:schemeClr val="dk1"/>
+            </a:lnRef>
+            <a:fillRef idx="0">
+              <a:schemeClr val="dk1"/>
+            </a:fillRef>
+            <a:effectRef idx="1">
+              <a:schemeClr val="dk1"/>
+            </a:effectRef>
+            <a:fontRef idx="minor">
+              <a:schemeClr val="tx1"/>
+            </a:fontRef>
+          </p:style>
+        </p:cxnSp>
+        <p:cxnSp>
+          <p:nvCxnSpPr>
+            <p:cNvPr id="24" name="直接箭头连接符 23">
+              <a:extLst>
+                <a:ext uri="{FF2B5EF4-FFF2-40B4-BE49-F238E27FC236}">
+                  <a16:creationId xmlns:a16="http://schemas.microsoft.com/office/drawing/2014/main" id="{6486C6DE-0E6B-44C5-AE36-3CEC029873FF}"/>
+                </a:ext>
+              </a:extLst>
+            </p:cNvPr>
+            <p:cNvCxnSpPr>
+              <a:cxnSpLocks/>
+              <a:stCxn id="8" idx="2"/>
+              <a:endCxn id="9" idx="0"/>
+            </p:cNvCxnSpPr>
+            <p:nvPr/>
+          </p:nvCxnSpPr>
+          <p:spPr>
+            <a:xfrm>
+              <a:off x="6882069" y="1201152"/>
+              <a:ext cx="0" cy="468946"/>
+            </a:xfrm>
+            <a:prstGeom prst="straightConnector1">
+              <a:avLst/>
+            </a:prstGeom>
+            <a:ln>
+              <a:tailEnd type="triangle"/>
+            </a:ln>
+          </p:spPr>
+          <p:style>
+            <a:lnRef idx="2">
+              <a:schemeClr val="dk1"/>
+            </a:lnRef>
+            <a:fillRef idx="0">
+              <a:schemeClr val="dk1"/>
+            </a:fillRef>
+            <a:effectRef idx="1">
+              <a:schemeClr val="dk1"/>
+            </a:effectRef>
+            <a:fontRef idx="minor">
+              <a:schemeClr val="tx1"/>
+            </a:fontRef>
+          </p:style>
+        </p:cxnSp>
+        <p:cxnSp>
+          <p:nvCxnSpPr>
+            <p:cNvPr id="26" name="直接箭头连接符 25">
+              <a:extLst>
+                <a:ext uri="{FF2B5EF4-FFF2-40B4-BE49-F238E27FC236}">
+                  <a16:creationId xmlns:a16="http://schemas.microsoft.com/office/drawing/2014/main" id="{7F784210-0258-4FEA-86C2-147750BCB646}"/>
+                </a:ext>
+              </a:extLst>
+            </p:cNvPr>
+            <p:cNvCxnSpPr>
+              <a:cxnSpLocks/>
+              <a:stCxn id="9" idx="2"/>
+              <a:endCxn id="15" idx="0"/>
+            </p:cNvCxnSpPr>
+            <p:nvPr/>
+          </p:nvCxnSpPr>
+          <p:spPr>
+            <a:xfrm>
+              <a:off x="6882069" y="2335845"/>
+              <a:ext cx="0" cy="236904"/>
+            </a:xfrm>
+            <a:prstGeom prst="straightConnector1">
+              <a:avLst/>
+            </a:prstGeom>
+            <a:ln>
+              <a:tailEnd type="triangle"/>
+            </a:ln>
+          </p:spPr>
+          <p:style>
+            <a:lnRef idx="2">
+              <a:schemeClr val="dk1"/>
+            </a:lnRef>
+            <a:fillRef idx="0">
+              <a:schemeClr val="dk1"/>
+            </a:fillRef>
+            <a:effectRef idx="1">
+              <a:schemeClr val="dk1"/>
+            </a:effectRef>
+            <a:fontRef idx="minor">
+              <a:schemeClr val="tx1"/>
+            </a:fontRef>
+          </p:style>
+        </p:cxnSp>
+        <p:cxnSp>
+          <p:nvCxnSpPr>
+            <p:cNvPr id="30" name="直接箭头连接符 29">
+              <a:extLst>
+                <a:ext uri="{FF2B5EF4-FFF2-40B4-BE49-F238E27FC236}">
+                  <a16:creationId xmlns:a16="http://schemas.microsoft.com/office/drawing/2014/main" id="{7931AC53-AB49-4392-A0C6-8A4A75CF3069}"/>
+                </a:ext>
+              </a:extLst>
+            </p:cNvPr>
+            <p:cNvCxnSpPr>
+              <a:cxnSpLocks/>
+              <a:stCxn id="15" idx="2"/>
+              <a:endCxn id="16" idx="0"/>
+            </p:cNvCxnSpPr>
+            <p:nvPr/>
+          </p:nvCxnSpPr>
+          <p:spPr>
+            <a:xfrm flipH="1">
+              <a:off x="6882066" y="3563351"/>
+              <a:ext cx="3" cy="314193"/>
+            </a:xfrm>
+            <a:prstGeom prst="straightConnector1">
+              <a:avLst/>
+            </a:prstGeom>
+            <a:ln>
+              <a:tailEnd type="triangle"/>
+            </a:ln>
+          </p:spPr>
+          <p:style>
+            <a:lnRef idx="2">
+              <a:schemeClr val="dk1"/>
+            </a:lnRef>
+            <a:fillRef idx="0">
+              <a:schemeClr val="dk1"/>
+            </a:fillRef>
+            <a:effectRef idx="1">
+              <a:schemeClr val="dk1"/>
+            </a:effectRef>
+            <a:fontRef idx="minor">
+              <a:schemeClr val="tx1"/>
+            </a:fontRef>
+          </p:style>
+        </p:cxnSp>
+        <p:cxnSp>
+          <p:nvCxnSpPr>
+            <p:cNvPr id="32" name="直接箭头连接符 31">
+              <a:extLst>
+                <a:ext uri="{FF2B5EF4-FFF2-40B4-BE49-F238E27FC236}">
+                  <a16:creationId xmlns:a16="http://schemas.microsoft.com/office/drawing/2014/main" id="{D4ABF366-4286-45F3-8FB6-E3B3D7342C88}"/>
+                </a:ext>
+              </a:extLst>
+            </p:cNvPr>
+            <p:cNvCxnSpPr>
+              <a:cxnSpLocks/>
+              <a:stCxn id="16" idx="1"/>
+              <a:endCxn id="13" idx="3"/>
+            </p:cNvCxnSpPr>
+            <p:nvPr/>
+          </p:nvCxnSpPr>
+          <p:spPr>
+            <a:xfrm flipH="1">
+              <a:off x="5096069" y="4360812"/>
+              <a:ext cx="442469" cy="411"/>
+            </a:xfrm>
+            <a:prstGeom prst="straightConnector1">
+              <a:avLst/>
+            </a:prstGeom>
+            <a:ln>
+              <a:tailEnd type="triangle"/>
+            </a:ln>
+          </p:spPr>
+          <p:style>
+            <a:lnRef idx="2">
+              <a:schemeClr val="dk1"/>
+            </a:lnRef>
+            <a:fillRef idx="0">
+              <a:schemeClr val="dk1"/>
+            </a:fillRef>
+            <a:effectRef idx="1">
+              <a:schemeClr val="dk1"/>
+            </a:effectRef>
+            <a:fontRef idx="minor">
+              <a:schemeClr val="tx1"/>
+            </a:fontRef>
+          </p:style>
+        </p:cxnSp>
+        <p:sp>
+          <p:nvSpPr>
+            <p:cNvPr id="44" name="文本框 43">
+              <a:extLst>
+                <a:ext uri="{FF2B5EF4-FFF2-40B4-BE49-F238E27FC236}">
+                  <a16:creationId xmlns:a16="http://schemas.microsoft.com/office/drawing/2014/main" id="{1EC7FF80-7E7D-4B79-A6BB-4213336D7D45}"/>
+                </a:ext>
+              </a:extLst>
+            </p:cNvPr>
+            <p:cNvSpPr txBox="1"/>
+            <p:nvPr/>
+          </p:nvSpPr>
+          <p:spPr>
+            <a:xfrm>
+              <a:off x="5344641" y="2700440"/>
+              <a:ext cx="882406" cy="369332"/>
+            </a:xfrm>
+            <a:prstGeom prst="rect">
+              <a:avLst/>
+            </a:prstGeom>
+            <a:noFill/>
+          </p:spPr>
+          <p:txBody>
+            <a:bodyPr wrap="square" rtlCol="0">
+              <a:spAutoFit/>
+            </a:bodyPr>
+            <a:lstStyle/>
+            <a:p>
+              <a:r>
+                <a:rPr lang="en-US" altLang="zh-CN" dirty="0"/>
+                <a:t>Y</a:t>
+              </a:r>
+              <a:endParaRPr lang="zh-CN" altLang="en-US" dirty="0"/>
+            </a:p>
+          </p:txBody>
+        </p:sp>
+        <p:sp>
+          <p:nvSpPr>
+            <p:cNvPr id="47" name="文本框 46">
+              <a:extLst>
+                <a:ext uri="{FF2B5EF4-FFF2-40B4-BE49-F238E27FC236}">
+                  <a16:creationId xmlns:a16="http://schemas.microsoft.com/office/drawing/2014/main" id="{7A5A2438-EC8E-4099-B1B5-41551DC52D88}"/>
+                </a:ext>
+              </a:extLst>
+            </p:cNvPr>
+            <p:cNvSpPr txBox="1"/>
+            <p:nvPr/>
+          </p:nvSpPr>
+          <p:spPr>
+            <a:xfrm>
+              <a:off x="6931321" y="3521582"/>
+              <a:ext cx="882406" cy="369332"/>
+            </a:xfrm>
+            <a:prstGeom prst="rect">
+              <a:avLst/>
+            </a:prstGeom>
+            <a:noFill/>
+          </p:spPr>
+          <p:txBody>
+            <a:bodyPr wrap="square" rtlCol="0">
+              <a:spAutoFit/>
+            </a:bodyPr>
+            <a:lstStyle/>
+            <a:p>
+              <a:r>
+                <a:rPr lang="en-US" altLang="zh-CN" dirty="0"/>
+                <a:t>N</a:t>
+              </a:r>
+            </a:p>
+          </p:txBody>
+        </p:sp>
+        <p:sp>
+          <p:nvSpPr>
+            <p:cNvPr id="41" name="流程图: 决策 40">
+              <a:extLst>
+                <a:ext uri="{FF2B5EF4-FFF2-40B4-BE49-F238E27FC236}">
+                  <a16:creationId xmlns:a16="http://schemas.microsoft.com/office/drawing/2014/main" id="{EACDEA40-66B1-D483-E177-B2D1C56BCF95}"/>
+                </a:ext>
+              </a:extLst>
+            </p:cNvPr>
+            <p:cNvSpPr/>
+            <p:nvPr/>
+          </p:nvSpPr>
+          <p:spPr>
+            <a:xfrm>
+              <a:off x="5247165" y="5212953"/>
+              <a:ext cx="3269799" cy="966531"/>
+            </a:xfrm>
+            <a:prstGeom prst="flowChartDecision">
+              <a:avLst/>
+            </a:prstGeom>
+            <a:noFill/>
+            <a:ln w="19050">
+              <a:solidFill>
+                <a:schemeClr val="tx1"/>
+              </a:solidFill>
+            </a:ln>
+          </p:spPr>
+          <p:style>
+            <a:lnRef idx="2">
+              <a:schemeClr val="accent1">
+                <a:shade val="50000"/>
+              </a:schemeClr>
+            </a:lnRef>
+            <a:fillRef idx="1">
+              <a:schemeClr val="accent1"/>
+            </a:fillRef>
+            <a:effectRef idx="0">
+              <a:schemeClr val="accent1"/>
+            </a:effectRef>
+            <a:fontRef idx="minor">
+              <a:schemeClr val="lt1"/>
+            </a:fontRef>
+          </p:style>
+          <p:txBody>
+            <a:bodyPr rtlCol="0" anchor="ctr"/>
+            <a:lstStyle/>
+            <a:p>
+              <a:pPr algn="ctr"/>
+              <a:r>
+                <a:rPr lang="zh-CN" altLang="en-US">
+                  <a:solidFill>
+                    <a:schemeClr val="tx1"/>
+                  </a:solidFill>
+                </a:rPr>
+                <a:t>已赋值输入是否有其他选择</a:t>
+              </a:r>
+              <a:endParaRPr lang="zh-CN" altLang="en-US" dirty="0">
+                <a:solidFill>
+                  <a:schemeClr val="tx1"/>
+                </a:solidFill>
+              </a:endParaRPr>
+            </a:p>
+          </p:txBody>
+        </p:sp>
+        <p:cxnSp>
+          <p:nvCxnSpPr>
+            <p:cNvPr id="52" name="直接箭头连接符 51">
+              <a:extLst>
+                <a:ext uri="{FF2B5EF4-FFF2-40B4-BE49-F238E27FC236}">
+                  <a16:creationId xmlns:a16="http://schemas.microsoft.com/office/drawing/2014/main" id="{8E6AD075-A3B6-5D52-5D2B-9FCC0FBDF594}"/>
+                </a:ext>
+              </a:extLst>
+            </p:cNvPr>
+            <p:cNvCxnSpPr>
+              <a:stCxn id="15" idx="1"/>
+              <a:endCxn id="11" idx="3"/>
+            </p:cNvCxnSpPr>
+            <p:nvPr/>
+          </p:nvCxnSpPr>
+          <p:spPr>
+            <a:xfrm flipH="1">
+              <a:off x="5155011" y="3068050"/>
+              <a:ext cx="490455" cy="0"/>
+            </a:xfrm>
+            <a:prstGeom prst="straightConnector1">
+              <a:avLst/>
+            </a:prstGeom>
+            <a:ln>
+              <a:tailEnd type="triangle"/>
+            </a:ln>
+          </p:spPr>
+          <p:style>
+            <a:lnRef idx="2">
+              <a:schemeClr val="dk1"/>
+            </a:lnRef>
+            <a:fillRef idx="0">
+              <a:schemeClr val="dk1"/>
+            </a:fillRef>
+            <a:effectRef idx="1">
+              <a:schemeClr val="dk1"/>
+            </a:effectRef>
+            <a:fontRef idx="minor">
+              <a:schemeClr val="tx1"/>
+            </a:fontRef>
+          </p:style>
+        </p:cxnSp>
+        <p:cxnSp>
+          <p:nvCxnSpPr>
+            <p:cNvPr id="56" name="连接符: 肘形 55">
+              <a:extLst>
+                <a:ext uri="{FF2B5EF4-FFF2-40B4-BE49-F238E27FC236}">
+                  <a16:creationId xmlns:a16="http://schemas.microsoft.com/office/drawing/2014/main" id="{7D9D9DE3-C161-63A1-3DAB-5D1B102B5059}"/>
+                </a:ext>
+              </a:extLst>
+            </p:cNvPr>
+            <p:cNvCxnSpPr>
+              <a:stCxn id="16" idx="3"/>
+              <a:endCxn id="8" idx="3"/>
+            </p:cNvCxnSpPr>
+            <p:nvPr/>
+          </p:nvCxnSpPr>
+          <p:spPr>
+            <a:xfrm flipH="1" flipV="1">
+              <a:off x="7978293" y="705851"/>
+              <a:ext cx="247300" cy="3654961"/>
+            </a:xfrm>
+            <a:prstGeom prst="bentConnector3">
+              <a:avLst>
+                <a:gd name="adj1" fmla="val -274635"/>
+              </a:avLst>
+            </a:prstGeom>
+            <a:ln>
+              <a:tailEnd type="triangle"/>
+            </a:ln>
+          </p:spPr>
+          <p:style>
+            <a:lnRef idx="2">
+              <a:schemeClr val="dk1"/>
+            </a:lnRef>
+            <a:fillRef idx="0">
+              <a:schemeClr val="dk1"/>
+            </a:fillRef>
+            <a:effectRef idx="1">
+              <a:schemeClr val="dk1"/>
+            </a:effectRef>
+            <a:fontRef idx="minor">
+              <a:schemeClr val="tx1"/>
+            </a:fontRef>
+          </p:style>
+        </p:cxnSp>
+        <p:sp>
+          <p:nvSpPr>
+            <p:cNvPr id="58" name="文本框 57">
+              <a:extLst>
+                <a:ext uri="{FF2B5EF4-FFF2-40B4-BE49-F238E27FC236}">
+                  <a16:creationId xmlns:a16="http://schemas.microsoft.com/office/drawing/2014/main" id="{B537DB18-D49C-F8E7-E0D2-928B111D7A6E}"/>
+                </a:ext>
+              </a:extLst>
+            </p:cNvPr>
+            <p:cNvSpPr txBox="1"/>
+            <p:nvPr/>
+          </p:nvSpPr>
+          <p:spPr>
+            <a:xfrm>
+              <a:off x="8247272" y="3991480"/>
+              <a:ext cx="882406" cy="369332"/>
+            </a:xfrm>
+            <a:prstGeom prst="rect">
+              <a:avLst/>
+            </a:prstGeom>
+            <a:noFill/>
+          </p:spPr>
+          <p:txBody>
+            <a:bodyPr wrap="square" rtlCol="0">
+              <a:spAutoFit/>
+            </a:bodyPr>
+            <a:lstStyle/>
+            <a:p>
+              <a:r>
+                <a:rPr lang="en-US" altLang="zh-CN" dirty="0"/>
+                <a:t>Y</a:t>
+              </a:r>
+              <a:endParaRPr lang="zh-CN" altLang="en-US" dirty="0"/>
+            </a:p>
+          </p:txBody>
+        </p:sp>
+        <p:cxnSp>
+          <p:nvCxnSpPr>
+            <p:cNvPr id="61" name="直接箭头连接符 60">
+              <a:extLst>
+                <a:ext uri="{FF2B5EF4-FFF2-40B4-BE49-F238E27FC236}">
+                  <a16:creationId xmlns:a16="http://schemas.microsoft.com/office/drawing/2014/main" id="{624DDD1B-B61E-7F7A-3546-AC1773452338}"/>
+                </a:ext>
+              </a:extLst>
+            </p:cNvPr>
+            <p:cNvCxnSpPr>
+              <a:stCxn id="16" idx="2"/>
+              <a:endCxn id="41" idx="0"/>
+            </p:cNvCxnSpPr>
+            <p:nvPr/>
+          </p:nvCxnSpPr>
+          <p:spPr>
+            <a:xfrm flipH="1">
+              <a:off x="6882065" y="4844080"/>
+              <a:ext cx="1" cy="368873"/>
+            </a:xfrm>
+            <a:prstGeom prst="straightConnector1">
+              <a:avLst/>
+            </a:prstGeom>
+            <a:ln>
+              <a:tailEnd type="triangle"/>
+            </a:ln>
+          </p:spPr>
+          <p:style>
+            <a:lnRef idx="2">
+              <a:schemeClr val="dk1"/>
+            </a:lnRef>
+            <a:fillRef idx="0">
+              <a:schemeClr val="dk1"/>
+            </a:fillRef>
+            <a:effectRef idx="1">
+              <a:schemeClr val="dk1"/>
+            </a:effectRef>
+            <a:fontRef idx="minor">
+              <a:schemeClr val="tx1"/>
+            </a:fontRef>
+          </p:style>
+        </p:cxnSp>
+        <p:cxnSp>
+          <p:nvCxnSpPr>
+            <p:cNvPr id="63" name="直接箭头连接符 62">
+              <a:extLst>
+                <a:ext uri="{FF2B5EF4-FFF2-40B4-BE49-F238E27FC236}">
+                  <a16:creationId xmlns:a16="http://schemas.microsoft.com/office/drawing/2014/main" id="{5546F15D-AEAE-0B16-044A-CEF53A3CBAC1}"/>
+                </a:ext>
+              </a:extLst>
+            </p:cNvPr>
+            <p:cNvCxnSpPr>
+              <a:stCxn id="41" idx="2"/>
+              <a:endCxn id="14" idx="0"/>
+            </p:cNvCxnSpPr>
+            <p:nvPr/>
+          </p:nvCxnSpPr>
+          <p:spPr>
+            <a:xfrm flipH="1">
+              <a:off x="6882064" y="6179484"/>
+              <a:ext cx="1" cy="312998"/>
+            </a:xfrm>
+            <a:prstGeom prst="straightConnector1">
+              <a:avLst/>
+            </a:prstGeom>
+            <a:ln>
+              <a:tailEnd type="triangle"/>
+            </a:ln>
+          </p:spPr>
+          <p:style>
+            <a:lnRef idx="2">
+              <a:schemeClr val="dk1"/>
+            </a:lnRef>
+            <a:fillRef idx="0">
+              <a:schemeClr val="dk1"/>
+            </a:fillRef>
+            <a:effectRef idx="1">
+              <a:schemeClr val="dk1"/>
+            </a:effectRef>
+            <a:fontRef idx="minor">
+              <a:schemeClr val="tx1"/>
+            </a:fontRef>
+          </p:style>
+        </p:cxnSp>
+        <p:sp>
+          <p:nvSpPr>
+            <p:cNvPr id="65" name="文本框 64">
+              <a:extLst>
+                <a:ext uri="{FF2B5EF4-FFF2-40B4-BE49-F238E27FC236}">
+                  <a16:creationId xmlns:a16="http://schemas.microsoft.com/office/drawing/2014/main" id="{E467E7B8-CDE3-74B4-984F-4AFECEE556E3}"/>
+                </a:ext>
+              </a:extLst>
+            </p:cNvPr>
+            <p:cNvSpPr txBox="1"/>
+            <p:nvPr/>
+          </p:nvSpPr>
+          <p:spPr>
+            <a:xfrm>
+              <a:off x="6931321" y="4871788"/>
+              <a:ext cx="882406" cy="369332"/>
+            </a:xfrm>
+            <a:prstGeom prst="rect">
+              <a:avLst/>
+            </a:prstGeom>
+            <a:noFill/>
+          </p:spPr>
+          <p:txBody>
+            <a:bodyPr wrap="square" rtlCol="0">
+              <a:spAutoFit/>
+            </a:bodyPr>
+            <a:lstStyle/>
+            <a:p>
+              <a:r>
+                <a:rPr lang="en-US" altLang="zh-CN" dirty="0"/>
+                <a:t>N</a:t>
+              </a:r>
+            </a:p>
+          </p:txBody>
+        </p:sp>
+        <p:sp>
+          <p:nvSpPr>
+            <p:cNvPr id="66" name="文本框 65">
+              <a:extLst>
+                <a:ext uri="{FF2B5EF4-FFF2-40B4-BE49-F238E27FC236}">
+                  <a16:creationId xmlns:a16="http://schemas.microsoft.com/office/drawing/2014/main" id="{BD95B556-6CC1-4479-38C2-C0D7A9F297E7}"/>
+                </a:ext>
+              </a:extLst>
+            </p:cNvPr>
+            <p:cNvSpPr txBox="1"/>
+            <p:nvPr/>
+          </p:nvSpPr>
+          <p:spPr>
+            <a:xfrm>
+              <a:off x="6882064" y="6154816"/>
+              <a:ext cx="882406" cy="369332"/>
+            </a:xfrm>
+            <a:prstGeom prst="rect">
+              <a:avLst/>
+            </a:prstGeom>
+            <a:noFill/>
+          </p:spPr>
+          <p:txBody>
+            <a:bodyPr wrap="square" rtlCol="0">
+              <a:spAutoFit/>
+            </a:bodyPr>
+            <a:lstStyle/>
+            <a:p>
+              <a:r>
+                <a:rPr lang="en-US" altLang="zh-CN" dirty="0"/>
+                <a:t>Y</a:t>
+              </a:r>
+              <a:endParaRPr lang="zh-CN" altLang="en-US" dirty="0"/>
+            </a:p>
+          </p:txBody>
+        </p:sp>
+        <p:sp>
+          <p:nvSpPr>
+            <p:cNvPr id="69" name="文本框 68">
+              <a:extLst>
+                <a:ext uri="{FF2B5EF4-FFF2-40B4-BE49-F238E27FC236}">
+                  <a16:creationId xmlns:a16="http://schemas.microsoft.com/office/drawing/2014/main" id="{F3E1B164-F5E9-79F4-8A3C-8CC09208F3EB}"/>
+                </a:ext>
+              </a:extLst>
+            </p:cNvPr>
+            <p:cNvSpPr txBox="1"/>
+            <p:nvPr/>
+          </p:nvSpPr>
+          <p:spPr>
+            <a:xfrm>
+              <a:off x="5155011" y="4001791"/>
+              <a:ext cx="882406" cy="369332"/>
+            </a:xfrm>
+            <a:prstGeom prst="rect">
+              <a:avLst/>
+            </a:prstGeom>
+            <a:noFill/>
+          </p:spPr>
+          <p:txBody>
+            <a:bodyPr wrap="square" rtlCol="0">
+              <a:spAutoFit/>
+            </a:bodyPr>
+            <a:lstStyle/>
+            <a:p>
+              <a:r>
+                <a:rPr lang="en-US" altLang="zh-CN" dirty="0"/>
+                <a:t>N</a:t>
+              </a:r>
+            </a:p>
+          </p:txBody>
+        </p:sp>
+        <p:cxnSp>
+          <p:nvCxnSpPr>
+            <p:cNvPr id="71" name="连接符: 肘形 70">
+              <a:extLst>
+                <a:ext uri="{FF2B5EF4-FFF2-40B4-BE49-F238E27FC236}">
+                  <a16:creationId xmlns:a16="http://schemas.microsoft.com/office/drawing/2014/main" id="{11C6DC3F-7EE4-CA58-20A0-409B4086C3A7}"/>
+                </a:ext>
+              </a:extLst>
+            </p:cNvPr>
+            <p:cNvCxnSpPr>
+              <a:stCxn id="14" idx="1"/>
+              <a:endCxn id="9" idx="1"/>
+            </p:cNvCxnSpPr>
+            <p:nvPr/>
+          </p:nvCxnSpPr>
+          <p:spPr>
+            <a:xfrm rot="10800000">
+              <a:off x="5505087" y="2002973"/>
+              <a:ext cx="33450" cy="4860491"/>
+            </a:xfrm>
+            <a:prstGeom prst="bentConnector3">
+              <a:avLst>
+                <a:gd name="adj1" fmla="val 6488380"/>
+              </a:avLst>
+            </a:prstGeom>
+            <a:ln>
+              <a:tailEnd type="triangle"/>
+            </a:ln>
+          </p:spPr>
+          <p:style>
+            <a:lnRef idx="2">
+              <a:schemeClr val="dk1"/>
+            </a:lnRef>
+            <a:fillRef idx="0">
+              <a:schemeClr val="dk1"/>
+            </a:fillRef>
+            <a:effectRef idx="1">
+              <a:schemeClr val="dk1"/>
+            </a:effectRef>
+            <a:fontRef idx="minor">
+              <a:schemeClr val="tx1"/>
+            </a:fontRef>
+          </p:style>
+        </p:cxnSp>
+      </p:grpSp>
+    </p:spTree>
+    <p:extLst>
+      <p:ext uri="{BB962C8B-B14F-4D97-AF65-F5344CB8AC3E}">
+        <p14:creationId xmlns:p14="http://schemas.microsoft.com/office/powerpoint/2010/main" val="3372742625"/>
+      </p:ext>
+    </p:extLst>
+  </p:cSld>
+  <p:clrMapOvr>
+    <a:masterClrMapping/>
+  </p:clrMapOvr>
+</p:sld>
+</file>
+
+<file path=ppt/slides/slide3.xml><?xml version="1.0" encoding="utf-8"?>
+<p:sld xmlns:a="http://schemas.openxmlformats.org/drawingml/2006/main" xmlns:r="http://schemas.openxmlformats.org/officeDocument/2006/relationships" xmlns:p="http://schemas.openxmlformats.org/presentationml/2006/main">
+  <p:cSld>
+    <p:spTree>
+      <p:nvGrpSpPr>
+        <p:cNvPr id="1" name=""/>
+        <p:cNvGrpSpPr/>
+        <p:nvPr/>
+      </p:nvGrpSpPr>
+      <p:grpSpPr>
+        <a:xfrm>
+          <a:off x="0" y="0"/>
+          <a:ext cx="0" cy="0"/>
+          <a:chOff x="0" y="0"/>
+          <a:chExt cx="0" cy="0"/>
+        </a:xfrm>
+      </p:grpSpPr>
+      <p:grpSp>
+        <p:nvGrpSpPr>
+          <p:cNvPr id="51" name="组合 50">
+            <a:extLst>
+              <a:ext uri="{FF2B5EF4-FFF2-40B4-BE49-F238E27FC236}">
+                <a16:creationId xmlns:a16="http://schemas.microsoft.com/office/drawing/2014/main" id="{ACD4F076-AD11-B971-98E3-BB6E9B623575}"/>
+              </a:ext>
+            </a:extLst>
+          </p:cNvPr>
+          <p:cNvGrpSpPr/>
+          <p:nvPr/>
+        </p:nvGrpSpPr>
+        <p:grpSpPr>
+          <a:xfrm>
+            <a:off x="3920691" y="762000"/>
+            <a:ext cx="3970753" cy="4016115"/>
+            <a:chOff x="3920691" y="762000"/>
+            <a:chExt cx="3970753" cy="4016115"/>
+          </a:xfrm>
+        </p:grpSpPr>
+        <p:grpSp>
+          <p:nvGrpSpPr>
+            <p:cNvPr id="31" name="组合 30">
+              <a:extLst>
+                <a:ext uri="{FF2B5EF4-FFF2-40B4-BE49-F238E27FC236}">
+                  <a16:creationId xmlns:a16="http://schemas.microsoft.com/office/drawing/2014/main" id="{C0A6D9DE-0DF5-7927-C24D-C8BD2831C8E2}"/>
+                </a:ext>
+              </a:extLst>
+            </p:cNvPr>
+            <p:cNvGrpSpPr/>
+            <p:nvPr/>
+          </p:nvGrpSpPr>
+          <p:grpSpPr>
+            <a:xfrm>
+              <a:off x="4687725" y="762000"/>
+              <a:ext cx="2358037" cy="3169920"/>
+              <a:chOff x="4687725" y="762000"/>
+              <a:chExt cx="2358037" cy="3169920"/>
+            </a:xfrm>
+          </p:grpSpPr>
+          <p:grpSp>
+            <p:nvGrpSpPr>
+              <p:cNvPr id="10" name="组合 9">
+                <a:extLst>
+                  <a:ext uri="{FF2B5EF4-FFF2-40B4-BE49-F238E27FC236}">
+                    <a16:creationId xmlns:a16="http://schemas.microsoft.com/office/drawing/2014/main" id="{6C76ACF3-EC72-E190-6095-CE9B0764E504}"/>
+                  </a:ext>
+                </a:extLst>
+              </p:cNvPr>
+              <p:cNvGrpSpPr/>
+              <p:nvPr/>
+            </p:nvGrpSpPr>
+            <p:grpSpPr>
+              <a:xfrm>
+                <a:off x="5360504" y="762000"/>
+                <a:ext cx="1172818" cy="788504"/>
+                <a:chOff x="5360504" y="762000"/>
+                <a:chExt cx="1172818" cy="788504"/>
+              </a:xfrm>
+            </p:grpSpPr>
+            <p:sp>
+              <p:nvSpPr>
+                <p:cNvPr id="5" name="椭圆 4">
+                  <a:extLst>
+                    <a:ext uri="{FF2B5EF4-FFF2-40B4-BE49-F238E27FC236}">
+                      <a16:creationId xmlns:a16="http://schemas.microsoft.com/office/drawing/2014/main" id="{67F18E6B-9733-5865-72A4-511EDFABCCE0}"/>
+                    </a:ext>
+                  </a:extLst>
+                </p:cNvPr>
+                <p:cNvSpPr/>
+                <p:nvPr/>
+              </p:nvSpPr>
+              <p:spPr>
+                <a:xfrm>
+                  <a:off x="5797826" y="762000"/>
+                  <a:ext cx="298174" cy="298174"/>
+                </a:xfrm>
+                <a:prstGeom prst="ellipse">
+                  <a:avLst/>
+                </a:prstGeom>
+                <a:noFill/>
+                <a:ln>
+                  <a:solidFill>
+                    <a:schemeClr val="tx1"/>
+                  </a:solidFill>
+                </a:ln>
+              </p:spPr>
+              <p:style>
+                <a:lnRef idx="2">
+                  <a:schemeClr val="accent1">
+                    <a:shade val="50000"/>
+                  </a:schemeClr>
+                </a:lnRef>
+                <a:fillRef idx="1">
+                  <a:schemeClr val="accent1"/>
+                </a:fillRef>
+                <a:effectRef idx="0">
+                  <a:schemeClr val="accent1"/>
+                </a:effectRef>
+                <a:fontRef idx="minor">
+                  <a:schemeClr val="lt1"/>
+                </a:fontRef>
+              </p:style>
+              <p:txBody>
+                <a:bodyPr rtlCol="0" anchor="ctr"/>
+                <a:lstStyle/>
+                <a:p>
+                  <a:pPr algn="ctr"/>
+                  <a:endParaRPr lang="zh-CN" altLang="en-US"/>
+                </a:p>
+              </p:txBody>
+            </p:sp>
+            <p:cxnSp>
+              <p:nvCxnSpPr>
+                <p:cNvPr id="7" name="直接连接符 6">
+                  <a:extLst>
+                    <a:ext uri="{FF2B5EF4-FFF2-40B4-BE49-F238E27FC236}">
+                      <a16:creationId xmlns:a16="http://schemas.microsoft.com/office/drawing/2014/main" id="{08DBDA21-EDBD-B124-DB6B-57B01AEA4B9A}"/>
+                    </a:ext>
+                  </a:extLst>
+                </p:cNvPr>
+                <p:cNvCxnSpPr>
+                  <a:stCxn id="5" idx="3"/>
+                </p:cNvCxnSpPr>
+                <p:nvPr/>
+              </p:nvCxnSpPr>
+              <p:spPr>
+                <a:xfrm flipH="1">
+                  <a:off x="5360504" y="1016507"/>
+                  <a:ext cx="480989" cy="533997"/>
+                </a:xfrm>
+                <a:prstGeom prst="line">
+                  <a:avLst/>
+                </a:prstGeom>
+              </p:spPr>
+              <p:style>
+                <a:lnRef idx="2">
+                  <a:schemeClr val="dk1"/>
+                </a:lnRef>
+                <a:fillRef idx="0">
+                  <a:schemeClr val="dk1"/>
+                </a:fillRef>
+                <a:effectRef idx="1">
+                  <a:schemeClr val="dk1"/>
+                </a:effectRef>
+                <a:fontRef idx="minor">
+                  <a:schemeClr val="tx1"/>
+                </a:fontRef>
+              </p:style>
+            </p:cxnSp>
+            <p:cxnSp>
+              <p:nvCxnSpPr>
+                <p:cNvPr id="9" name="直接连接符 8">
+                  <a:extLst>
+                    <a:ext uri="{FF2B5EF4-FFF2-40B4-BE49-F238E27FC236}">
+                      <a16:creationId xmlns:a16="http://schemas.microsoft.com/office/drawing/2014/main" id="{188F0C61-4396-43C5-3EBA-8C359F69A912}"/>
+                    </a:ext>
+                  </a:extLst>
+                </p:cNvPr>
+                <p:cNvCxnSpPr>
+                  <a:stCxn id="5" idx="5"/>
+                </p:cNvCxnSpPr>
+                <p:nvPr/>
+              </p:nvCxnSpPr>
+              <p:spPr>
+                <a:xfrm>
+                  <a:off x="6052333" y="1016507"/>
+                  <a:ext cx="480989" cy="533997"/>
+                </a:xfrm>
+                <a:prstGeom prst="line">
+                  <a:avLst/>
+                </a:prstGeom>
+              </p:spPr>
+              <p:style>
+                <a:lnRef idx="2">
+                  <a:schemeClr val="dk1"/>
+                </a:lnRef>
+                <a:fillRef idx="0">
+                  <a:schemeClr val="dk1"/>
+                </a:fillRef>
+                <a:effectRef idx="1">
+                  <a:schemeClr val="dk1"/>
+                </a:effectRef>
+                <a:fontRef idx="minor">
+                  <a:schemeClr val="tx1"/>
+                </a:fontRef>
+              </p:style>
+            </p:cxnSp>
+          </p:grpSp>
+          <p:grpSp>
+            <p:nvGrpSpPr>
+              <p:cNvPr id="11" name="组合 10">
+                <a:extLst>
+                  <a:ext uri="{FF2B5EF4-FFF2-40B4-BE49-F238E27FC236}">
+                    <a16:creationId xmlns:a16="http://schemas.microsoft.com/office/drawing/2014/main" id="{5439F259-ADD4-0E7C-96FB-DC6A9362B796}"/>
+                  </a:ext>
+                </a:extLst>
+              </p:cNvPr>
+              <p:cNvGrpSpPr/>
+              <p:nvPr/>
+            </p:nvGrpSpPr>
+            <p:grpSpPr>
+              <a:xfrm>
+                <a:off x="4687725" y="1521929"/>
+                <a:ext cx="1172818" cy="788504"/>
+                <a:chOff x="5360504" y="762000"/>
+                <a:chExt cx="1172818" cy="788504"/>
+              </a:xfrm>
+            </p:grpSpPr>
+            <p:sp>
+              <p:nvSpPr>
+                <p:cNvPr id="12" name="椭圆 11">
+                  <a:extLst>
+                    <a:ext uri="{FF2B5EF4-FFF2-40B4-BE49-F238E27FC236}">
+                      <a16:creationId xmlns:a16="http://schemas.microsoft.com/office/drawing/2014/main" id="{2CDADE3D-4F8D-1702-3857-7B81CE8AA5DC}"/>
+                    </a:ext>
+                  </a:extLst>
+                </p:cNvPr>
+                <p:cNvSpPr/>
+                <p:nvPr/>
+              </p:nvSpPr>
+              <p:spPr>
+                <a:xfrm>
+                  <a:off x="5797826" y="762000"/>
+                  <a:ext cx="298174" cy="298174"/>
+                </a:xfrm>
+                <a:prstGeom prst="ellipse">
+                  <a:avLst/>
+                </a:prstGeom>
+                <a:noFill/>
+                <a:ln>
+                  <a:solidFill>
+                    <a:schemeClr val="tx1"/>
+                  </a:solidFill>
+                </a:ln>
+              </p:spPr>
+              <p:style>
+                <a:lnRef idx="2">
+                  <a:schemeClr val="accent1">
+                    <a:shade val="50000"/>
+                  </a:schemeClr>
+                </a:lnRef>
+                <a:fillRef idx="1">
+                  <a:schemeClr val="accent1"/>
+                </a:fillRef>
+                <a:effectRef idx="0">
+                  <a:schemeClr val="accent1"/>
+                </a:effectRef>
+                <a:fontRef idx="minor">
+                  <a:schemeClr val="lt1"/>
+                </a:fontRef>
+              </p:style>
+              <p:txBody>
+                <a:bodyPr rtlCol="0" anchor="ctr"/>
+                <a:lstStyle/>
+                <a:p>
+                  <a:pPr algn="ctr"/>
+                  <a:endParaRPr lang="zh-CN" altLang="en-US"/>
+                </a:p>
+              </p:txBody>
+            </p:sp>
+            <p:cxnSp>
+              <p:nvCxnSpPr>
+                <p:cNvPr id="13" name="直接连接符 12">
+                  <a:extLst>
+                    <a:ext uri="{FF2B5EF4-FFF2-40B4-BE49-F238E27FC236}">
+                      <a16:creationId xmlns:a16="http://schemas.microsoft.com/office/drawing/2014/main" id="{24BB1CDB-C991-977F-B355-B7934B9CFB94}"/>
+                    </a:ext>
+                  </a:extLst>
+                </p:cNvPr>
+                <p:cNvCxnSpPr>
+                  <a:stCxn id="12" idx="3"/>
+                </p:cNvCxnSpPr>
+                <p:nvPr/>
+              </p:nvCxnSpPr>
+              <p:spPr>
+                <a:xfrm flipH="1">
+                  <a:off x="5360504" y="1016507"/>
+                  <a:ext cx="480989" cy="533997"/>
+                </a:xfrm>
+                <a:prstGeom prst="line">
+                  <a:avLst/>
+                </a:prstGeom>
+              </p:spPr>
+              <p:style>
+                <a:lnRef idx="2">
+                  <a:schemeClr val="dk1"/>
+                </a:lnRef>
+                <a:fillRef idx="0">
+                  <a:schemeClr val="dk1"/>
+                </a:fillRef>
+                <a:effectRef idx="1">
+                  <a:schemeClr val="dk1"/>
+                </a:effectRef>
+                <a:fontRef idx="minor">
+                  <a:schemeClr val="tx1"/>
+                </a:fontRef>
+              </p:style>
+            </p:cxnSp>
+            <p:cxnSp>
+              <p:nvCxnSpPr>
+                <p:cNvPr id="14" name="直接连接符 13">
+                  <a:extLst>
+                    <a:ext uri="{FF2B5EF4-FFF2-40B4-BE49-F238E27FC236}">
+                      <a16:creationId xmlns:a16="http://schemas.microsoft.com/office/drawing/2014/main" id="{DD46E5A4-F3E5-CDE8-E37C-0E9CBF5ECBE0}"/>
+                    </a:ext>
+                  </a:extLst>
+                </p:cNvPr>
+                <p:cNvCxnSpPr>
+                  <a:stCxn id="12" idx="5"/>
+                </p:cNvCxnSpPr>
+                <p:nvPr/>
+              </p:nvCxnSpPr>
+              <p:spPr>
+                <a:xfrm>
+                  <a:off x="6052333" y="1016507"/>
+                  <a:ext cx="480989" cy="533997"/>
+                </a:xfrm>
+                <a:prstGeom prst="line">
+                  <a:avLst/>
+                </a:prstGeom>
+              </p:spPr>
+              <p:style>
+                <a:lnRef idx="2">
+                  <a:schemeClr val="dk1"/>
+                </a:lnRef>
+                <a:fillRef idx="0">
+                  <a:schemeClr val="dk1"/>
+                </a:fillRef>
+                <a:effectRef idx="1">
+                  <a:schemeClr val="dk1"/>
+                </a:effectRef>
+                <a:fontRef idx="minor">
+                  <a:schemeClr val="tx1"/>
+                </a:fontRef>
+              </p:style>
+            </p:cxnSp>
+          </p:grpSp>
+          <p:grpSp>
+            <p:nvGrpSpPr>
+              <p:cNvPr id="15" name="组合 14">
+                <a:extLst>
+                  <a:ext uri="{FF2B5EF4-FFF2-40B4-BE49-F238E27FC236}">
+                    <a16:creationId xmlns:a16="http://schemas.microsoft.com/office/drawing/2014/main" id="{BDED2332-3C01-CA7F-068C-D0B810F4E359}"/>
+                  </a:ext>
+                </a:extLst>
+              </p:cNvPr>
+              <p:cNvGrpSpPr/>
+              <p:nvPr/>
+            </p:nvGrpSpPr>
+            <p:grpSpPr>
+              <a:xfrm>
+                <a:off x="5360504" y="2280285"/>
+                <a:ext cx="1172818" cy="788504"/>
+                <a:chOff x="5360504" y="762000"/>
+                <a:chExt cx="1172818" cy="788504"/>
+              </a:xfrm>
+            </p:grpSpPr>
+            <p:sp>
+              <p:nvSpPr>
+                <p:cNvPr id="16" name="椭圆 15">
+                  <a:extLst>
+                    <a:ext uri="{FF2B5EF4-FFF2-40B4-BE49-F238E27FC236}">
+                      <a16:creationId xmlns:a16="http://schemas.microsoft.com/office/drawing/2014/main" id="{B5AB5D0A-A253-1F7F-4F2F-52DB18E71531}"/>
+                    </a:ext>
+                  </a:extLst>
+                </p:cNvPr>
+                <p:cNvSpPr/>
+                <p:nvPr/>
+              </p:nvSpPr>
+              <p:spPr>
+                <a:xfrm>
+                  <a:off x="5797826" y="762000"/>
+                  <a:ext cx="298174" cy="298174"/>
+                </a:xfrm>
+                <a:prstGeom prst="ellipse">
+                  <a:avLst/>
+                </a:prstGeom>
+                <a:noFill/>
+                <a:ln>
+                  <a:solidFill>
+                    <a:schemeClr val="tx1"/>
+                  </a:solidFill>
+                </a:ln>
+              </p:spPr>
+              <p:style>
+                <a:lnRef idx="2">
+                  <a:schemeClr val="accent1">
+                    <a:shade val="50000"/>
+                  </a:schemeClr>
+                </a:lnRef>
+                <a:fillRef idx="1">
+                  <a:schemeClr val="accent1"/>
+                </a:fillRef>
+                <a:effectRef idx="0">
+                  <a:schemeClr val="accent1"/>
+                </a:effectRef>
+                <a:fontRef idx="minor">
+                  <a:schemeClr val="lt1"/>
+                </a:fontRef>
+              </p:style>
+              <p:txBody>
+                <a:bodyPr rtlCol="0" anchor="ctr"/>
+                <a:lstStyle/>
+                <a:p>
+                  <a:pPr algn="ctr"/>
+                  <a:endParaRPr lang="zh-CN" altLang="en-US"/>
+                </a:p>
+              </p:txBody>
+            </p:sp>
+            <p:cxnSp>
+              <p:nvCxnSpPr>
+                <p:cNvPr id="17" name="直接连接符 16">
+                  <a:extLst>
+                    <a:ext uri="{FF2B5EF4-FFF2-40B4-BE49-F238E27FC236}">
+                      <a16:creationId xmlns:a16="http://schemas.microsoft.com/office/drawing/2014/main" id="{1E2C1035-0516-EB7C-9AFE-604B9C4BDB62}"/>
+                    </a:ext>
+                  </a:extLst>
+                </p:cNvPr>
+                <p:cNvCxnSpPr>
+                  <a:stCxn id="16" idx="3"/>
+                </p:cNvCxnSpPr>
+                <p:nvPr/>
+              </p:nvCxnSpPr>
+              <p:spPr>
+                <a:xfrm flipH="1">
+                  <a:off x="5360504" y="1016507"/>
+                  <a:ext cx="480989" cy="533997"/>
+                </a:xfrm>
+                <a:prstGeom prst="line">
+                  <a:avLst/>
+                </a:prstGeom>
+              </p:spPr>
+              <p:style>
+                <a:lnRef idx="2">
+                  <a:schemeClr val="dk1"/>
+                </a:lnRef>
+                <a:fillRef idx="0">
+                  <a:schemeClr val="dk1"/>
+                </a:fillRef>
+                <a:effectRef idx="1">
+                  <a:schemeClr val="dk1"/>
+                </a:effectRef>
+                <a:fontRef idx="minor">
+                  <a:schemeClr val="tx1"/>
+                </a:fontRef>
+              </p:style>
+            </p:cxnSp>
+            <p:cxnSp>
+              <p:nvCxnSpPr>
+                <p:cNvPr id="18" name="直接连接符 17">
+                  <a:extLst>
+                    <a:ext uri="{FF2B5EF4-FFF2-40B4-BE49-F238E27FC236}">
+                      <a16:creationId xmlns:a16="http://schemas.microsoft.com/office/drawing/2014/main" id="{281C79B8-133F-1568-3E3B-10396F6FA7E2}"/>
+                    </a:ext>
+                  </a:extLst>
+                </p:cNvPr>
+                <p:cNvCxnSpPr>
+                  <a:stCxn id="16" idx="5"/>
+                </p:cNvCxnSpPr>
+                <p:nvPr/>
+              </p:nvCxnSpPr>
+              <p:spPr>
+                <a:xfrm>
+                  <a:off x="6052333" y="1016507"/>
+                  <a:ext cx="480989" cy="533997"/>
+                </a:xfrm>
+                <a:prstGeom prst="line">
+                  <a:avLst/>
+                </a:prstGeom>
+              </p:spPr>
+              <p:style>
+                <a:lnRef idx="2">
+                  <a:schemeClr val="dk1"/>
+                </a:lnRef>
+                <a:fillRef idx="0">
+                  <a:schemeClr val="dk1"/>
+                </a:fillRef>
+                <a:effectRef idx="1">
+                  <a:schemeClr val="dk1"/>
+                </a:effectRef>
+                <a:fontRef idx="minor">
+                  <a:schemeClr val="tx1"/>
+                </a:fontRef>
+              </p:style>
+            </p:cxnSp>
+          </p:grpSp>
+          <p:grpSp>
+            <p:nvGrpSpPr>
+              <p:cNvPr id="19" name="组合 18">
+                <a:extLst>
+                  <a:ext uri="{FF2B5EF4-FFF2-40B4-BE49-F238E27FC236}">
+                    <a16:creationId xmlns:a16="http://schemas.microsoft.com/office/drawing/2014/main" id="{CB1DF5C3-7C6A-F812-10CD-D4C2E9ECA660}"/>
+                  </a:ext>
+                </a:extLst>
+              </p:cNvPr>
+              <p:cNvGrpSpPr/>
+              <p:nvPr/>
+            </p:nvGrpSpPr>
+            <p:grpSpPr>
+              <a:xfrm>
+                <a:off x="4800600" y="3040214"/>
+                <a:ext cx="857250" cy="891706"/>
+                <a:chOff x="5473379" y="762000"/>
+                <a:chExt cx="857250" cy="891706"/>
+              </a:xfrm>
+            </p:grpSpPr>
+            <p:sp>
+              <p:nvSpPr>
+                <p:cNvPr id="20" name="椭圆 19">
+                  <a:extLst>
+                    <a:ext uri="{FF2B5EF4-FFF2-40B4-BE49-F238E27FC236}">
+                      <a16:creationId xmlns:a16="http://schemas.microsoft.com/office/drawing/2014/main" id="{754A6A8B-F9C9-F475-0970-5B319FF8ADBE}"/>
+                    </a:ext>
+                  </a:extLst>
+                </p:cNvPr>
+                <p:cNvSpPr/>
+                <p:nvPr/>
+              </p:nvSpPr>
+              <p:spPr>
+                <a:xfrm>
+                  <a:off x="5797826" y="762000"/>
+                  <a:ext cx="298174" cy="298174"/>
+                </a:xfrm>
+                <a:prstGeom prst="ellipse">
+                  <a:avLst/>
+                </a:prstGeom>
+                <a:noFill/>
+                <a:ln>
+                  <a:solidFill>
+                    <a:schemeClr val="tx1"/>
+                  </a:solidFill>
+                </a:ln>
+              </p:spPr>
+              <p:style>
+                <a:lnRef idx="2">
+                  <a:schemeClr val="accent1">
+                    <a:shade val="50000"/>
+                  </a:schemeClr>
+                </a:lnRef>
+                <a:fillRef idx="1">
+                  <a:schemeClr val="accent1"/>
+                </a:fillRef>
+                <a:effectRef idx="0">
+                  <a:schemeClr val="accent1"/>
+                </a:effectRef>
+                <a:fontRef idx="minor">
+                  <a:schemeClr val="lt1"/>
+                </a:fontRef>
+              </p:style>
+              <p:txBody>
+                <a:bodyPr rtlCol="0" anchor="ctr"/>
+                <a:lstStyle/>
+                <a:p>
+                  <a:pPr algn="ctr"/>
+                  <a:endParaRPr lang="zh-CN" altLang="en-US"/>
+                </a:p>
+              </p:txBody>
+            </p:sp>
+            <p:cxnSp>
+              <p:nvCxnSpPr>
+                <p:cNvPr id="21" name="直接连接符 20">
+                  <a:extLst>
+                    <a:ext uri="{FF2B5EF4-FFF2-40B4-BE49-F238E27FC236}">
+                      <a16:creationId xmlns:a16="http://schemas.microsoft.com/office/drawing/2014/main" id="{FFE11E42-54D3-A0AF-B7A1-9FBFA96BA95C}"/>
+                    </a:ext>
+                  </a:extLst>
+                </p:cNvPr>
+                <p:cNvCxnSpPr>
+                  <a:cxnSpLocks/>
+                  <a:stCxn id="20" idx="3"/>
+                </p:cNvCxnSpPr>
+                <p:nvPr/>
+              </p:nvCxnSpPr>
+              <p:spPr>
+                <a:xfrm flipH="1">
+                  <a:off x="5473379" y="1016507"/>
+                  <a:ext cx="368114" cy="627674"/>
+                </a:xfrm>
+                <a:prstGeom prst="line">
+                  <a:avLst/>
+                </a:prstGeom>
+              </p:spPr>
+              <p:style>
+                <a:lnRef idx="2">
+                  <a:schemeClr val="dk1"/>
+                </a:lnRef>
+                <a:fillRef idx="0">
+                  <a:schemeClr val="dk1"/>
+                </a:fillRef>
+                <a:effectRef idx="1">
+                  <a:schemeClr val="dk1"/>
+                </a:effectRef>
+                <a:fontRef idx="minor">
+                  <a:schemeClr val="tx1"/>
+                </a:fontRef>
+              </p:style>
+            </p:cxnSp>
+            <p:cxnSp>
+              <p:nvCxnSpPr>
+                <p:cNvPr id="22" name="直接连接符 21">
+                  <a:extLst>
+                    <a:ext uri="{FF2B5EF4-FFF2-40B4-BE49-F238E27FC236}">
+                      <a16:creationId xmlns:a16="http://schemas.microsoft.com/office/drawing/2014/main" id="{D2D1CB0B-49BC-D5A2-3CC8-5010601E5963}"/>
+                    </a:ext>
+                  </a:extLst>
+                </p:cNvPr>
+                <p:cNvCxnSpPr>
+                  <a:cxnSpLocks/>
+                  <a:stCxn id="20" idx="5"/>
+                </p:cNvCxnSpPr>
+                <p:nvPr/>
+              </p:nvCxnSpPr>
+              <p:spPr>
+                <a:xfrm>
+                  <a:off x="6052333" y="1016507"/>
+                  <a:ext cx="278296" cy="637199"/>
+                </a:xfrm>
+                <a:prstGeom prst="line">
+                  <a:avLst/>
+                </a:prstGeom>
+              </p:spPr>
+              <p:style>
+                <a:lnRef idx="2">
+                  <a:schemeClr val="dk1"/>
+                </a:lnRef>
+                <a:fillRef idx="0">
+                  <a:schemeClr val="dk1"/>
+                </a:fillRef>
+                <a:effectRef idx="1">
+                  <a:schemeClr val="dk1"/>
+                </a:effectRef>
+                <a:fontRef idx="minor">
+                  <a:schemeClr val="tx1"/>
+                </a:fontRef>
+              </p:style>
+            </p:cxnSp>
+          </p:grpSp>
+          <p:grpSp>
+            <p:nvGrpSpPr>
+              <p:cNvPr id="23" name="组合 22">
+                <a:extLst>
+                  <a:ext uri="{FF2B5EF4-FFF2-40B4-BE49-F238E27FC236}">
+                    <a16:creationId xmlns:a16="http://schemas.microsoft.com/office/drawing/2014/main" id="{BE6B4282-D6C5-0311-1B83-DB1F88D894DE}"/>
+                  </a:ext>
+                </a:extLst>
+              </p:cNvPr>
+              <p:cNvGrpSpPr/>
+              <p:nvPr/>
+            </p:nvGrpSpPr>
+            <p:grpSpPr>
+              <a:xfrm>
+                <a:off x="6174908" y="3040214"/>
+                <a:ext cx="870854" cy="872656"/>
+                <a:chOff x="5511486" y="762000"/>
+                <a:chExt cx="870854" cy="872656"/>
+              </a:xfrm>
+            </p:grpSpPr>
+            <p:sp>
+              <p:nvSpPr>
+                <p:cNvPr id="24" name="椭圆 23">
+                  <a:extLst>
+                    <a:ext uri="{FF2B5EF4-FFF2-40B4-BE49-F238E27FC236}">
+                      <a16:creationId xmlns:a16="http://schemas.microsoft.com/office/drawing/2014/main" id="{C1122016-B9FA-C1D6-DF4C-2E4AC1F265E8}"/>
+                    </a:ext>
+                  </a:extLst>
+                </p:cNvPr>
+                <p:cNvSpPr/>
+                <p:nvPr/>
+              </p:nvSpPr>
+              <p:spPr>
+                <a:xfrm>
+                  <a:off x="5797826" y="762000"/>
+                  <a:ext cx="298174" cy="298174"/>
+                </a:xfrm>
+                <a:prstGeom prst="ellipse">
+                  <a:avLst/>
+                </a:prstGeom>
+                <a:noFill/>
+                <a:ln>
+                  <a:solidFill>
+                    <a:schemeClr val="tx1"/>
+                  </a:solidFill>
+                </a:ln>
+              </p:spPr>
+              <p:style>
+                <a:lnRef idx="2">
+                  <a:schemeClr val="accent1">
+                    <a:shade val="50000"/>
+                  </a:schemeClr>
+                </a:lnRef>
+                <a:fillRef idx="1">
+                  <a:schemeClr val="accent1"/>
+                </a:fillRef>
+                <a:effectRef idx="0">
+                  <a:schemeClr val="accent1"/>
+                </a:effectRef>
+                <a:fontRef idx="minor">
+                  <a:schemeClr val="lt1"/>
+                </a:fontRef>
+              </p:style>
+              <p:txBody>
+                <a:bodyPr rtlCol="0" anchor="ctr"/>
+                <a:lstStyle/>
+                <a:p>
+                  <a:pPr algn="ctr"/>
+                  <a:endParaRPr lang="zh-CN" altLang="en-US"/>
+                </a:p>
+              </p:txBody>
+            </p:sp>
+            <p:cxnSp>
+              <p:nvCxnSpPr>
+                <p:cNvPr id="25" name="直接连接符 24">
+                  <a:extLst>
+                    <a:ext uri="{FF2B5EF4-FFF2-40B4-BE49-F238E27FC236}">
+                      <a16:creationId xmlns:a16="http://schemas.microsoft.com/office/drawing/2014/main" id="{189B7B58-C2F8-D72F-F188-80B5680E15D5}"/>
+                    </a:ext>
+                  </a:extLst>
+                </p:cNvPr>
+                <p:cNvCxnSpPr>
+                  <a:cxnSpLocks/>
+                  <a:stCxn id="24" idx="3"/>
+                </p:cNvCxnSpPr>
+                <p:nvPr/>
+              </p:nvCxnSpPr>
+              <p:spPr>
+                <a:xfrm flipH="1">
+                  <a:off x="5511486" y="1016507"/>
+                  <a:ext cx="330007" cy="587669"/>
+                </a:xfrm>
+                <a:prstGeom prst="line">
+                  <a:avLst/>
+                </a:prstGeom>
+              </p:spPr>
+              <p:style>
+                <a:lnRef idx="2">
+                  <a:schemeClr val="dk1"/>
+                </a:lnRef>
+                <a:fillRef idx="0">
+                  <a:schemeClr val="dk1"/>
+                </a:fillRef>
+                <a:effectRef idx="1">
+                  <a:schemeClr val="dk1"/>
+                </a:effectRef>
+                <a:fontRef idx="minor">
+                  <a:schemeClr val="tx1"/>
+                </a:fontRef>
+              </p:style>
+            </p:cxnSp>
+            <p:cxnSp>
+              <p:nvCxnSpPr>
+                <p:cNvPr id="26" name="直接连接符 25">
+                  <a:extLst>
+                    <a:ext uri="{FF2B5EF4-FFF2-40B4-BE49-F238E27FC236}">
+                      <a16:creationId xmlns:a16="http://schemas.microsoft.com/office/drawing/2014/main" id="{BD625A84-4D46-75A5-C93D-7E1FBE604EB5}"/>
+                    </a:ext>
+                  </a:extLst>
+                </p:cNvPr>
+                <p:cNvCxnSpPr>
+                  <a:cxnSpLocks/>
+                  <a:stCxn id="24" idx="5"/>
+                </p:cNvCxnSpPr>
+                <p:nvPr/>
+              </p:nvCxnSpPr>
+              <p:spPr>
+                <a:xfrm>
+                  <a:off x="6052333" y="1016507"/>
+                  <a:ext cx="330007" cy="618149"/>
+                </a:xfrm>
+                <a:prstGeom prst="line">
+                  <a:avLst/>
+                </a:prstGeom>
+              </p:spPr>
+              <p:style>
+                <a:lnRef idx="2">
+                  <a:schemeClr val="dk1"/>
+                </a:lnRef>
+                <a:fillRef idx="0">
+                  <a:schemeClr val="dk1"/>
+                </a:fillRef>
+                <a:effectRef idx="1">
+                  <a:schemeClr val="dk1"/>
+                </a:effectRef>
+                <a:fontRef idx="minor">
+                  <a:schemeClr val="tx1"/>
+                </a:fontRef>
+              </p:style>
+            </p:cxnSp>
+          </p:grpSp>
+        </p:grpSp>
+        <mc:AlternateContent xmlns:mc="http://schemas.openxmlformats.org/markup-compatibility/2006">
+          <mc:Choice xmlns:a14="http://schemas.microsoft.com/office/drawing/2010/main" Requires="a14">
+            <p:sp>
+              <p:nvSpPr>
+                <p:cNvPr id="32" name="文本框 31">
+                  <a:extLst>
+                    <a:ext uri="{FF2B5EF4-FFF2-40B4-BE49-F238E27FC236}">
+                      <a16:creationId xmlns:a16="http://schemas.microsoft.com/office/drawing/2014/main" id="{055A1F76-CE32-E0CE-957E-92DE16B53360}"/>
+                    </a:ext>
+                  </a:extLst>
+                </p:cNvPr>
+                <p:cNvSpPr txBox="1"/>
+                <p:nvPr/>
+              </p:nvSpPr>
+              <p:spPr>
+                <a:xfrm>
+                  <a:off x="4605893" y="945349"/>
+                  <a:ext cx="1227779" cy="369332"/>
+                </a:xfrm>
+                <a:prstGeom prst="rect">
+                  <a:avLst/>
+                </a:prstGeom>
+                <a:noFill/>
+              </p:spPr>
+              <p:txBody>
+                <a:bodyPr wrap="square" rtlCol="0">
+                  <a:spAutoFit/>
+                </a:bodyPr>
+                <a:lstStyle/>
+                <a:p>
+                  <a14:m>
+                    <m:oMathPara xmlns:m="http://schemas.openxmlformats.org/officeDocument/2006/math">
+                      <m:oMathParaPr>
+                        <m:jc m:val="centerGroup"/>
+                      </m:oMathParaPr>
+                      <m:oMath xmlns:m="http://schemas.openxmlformats.org/officeDocument/2006/math">
+                        <m:sSub>
+                          <m:sSubPr>
+                            <m:ctrlPr>
+                              <a:rPr lang="en-US" altLang="zh-CN" i="1" smtClean="0">
+                                <a:latin typeface="Cambria Math" panose="02040503050406030204" pitchFamily="18" charset="0"/>
+                              </a:rPr>
+                            </m:ctrlPr>
+                          </m:sSubPr>
+                          <m:e>
+                            <m:r>
+                              <a:rPr lang="en-US" altLang="zh-CN" i="1">
+                                <a:latin typeface="Cambria Math" panose="02040503050406030204" pitchFamily="18" charset="0"/>
+                              </a:rPr>
+                              <m:t>𝑃𝐼</m:t>
+                            </m:r>
+                          </m:e>
+                          <m:sub>
+                            <m:r>
+                              <a:rPr lang="en-US" altLang="zh-CN" b="0" i="1" smtClean="0">
+                                <a:latin typeface="Cambria Math" panose="02040503050406030204" pitchFamily="18" charset="0"/>
+                              </a:rPr>
+                              <m:t>1</m:t>
+                            </m:r>
+                          </m:sub>
+                        </m:sSub>
+                        <m:r>
+                          <a:rPr lang="en-US" altLang="zh-CN" i="1" smtClean="0">
+                            <a:latin typeface="Cambria Math" panose="02040503050406030204" pitchFamily="18" charset="0"/>
+                          </a:rPr>
+                          <m:t>=1</m:t>
+                        </m:r>
+                      </m:oMath>
+                    </m:oMathPara>
+                  </a14:m>
+                  <a:endParaRPr lang="zh-CN" altLang="en-US"/>
+                </a:p>
+              </p:txBody>
+            </p:sp>
+          </mc:Choice>
+          <mc:Fallback>
+            <p:sp>
+              <p:nvSpPr>
+                <p:cNvPr id="32" name="文本框 31">
+                  <a:extLst>
+                    <a:ext uri="{FF2B5EF4-FFF2-40B4-BE49-F238E27FC236}">
+                      <a16:creationId xmlns:a16="http://schemas.microsoft.com/office/drawing/2014/main" id="{055A1F76-CE32-E0CE-957E-92DE16B53360}"/>
+                    </a:ext>
+                  </a:extLst>
+                </p:cNvPr>
+                <p:cNvSpPr txBox="1">
+                  <a:spLocks noRot="1" noChangeAspect="1" noMove="1" noResize="1" noEditPoints="1" noAdjustHandles="1" noChangeArrowheads="1" noChangeShapeType="1" noTextEdit="1"/>
+                </p:cNvSpPr>
+                <p:nvPr/>
+              </p:nvSpPr>
+              <p:spPr>
+                <a:xfrm>
+                  <a:off x="4605893" y="945349"/>
+                  <a:ext cx="1227779" cy="369332"/>
+                </a:xfrm>
+                <a:prstGeom prst="rect">
+                  <a:avLst/>
+                </a:prstGeom>
+                <a:blipFill>
+                  <a:blip r:embed="rId2"/>
+                  <a:stretch>
+                    <a:fillRect/>
+                  </a:stretch>
+                </a:blipFill>
+              </p:spPr>
+              <p:txBody>
+                <a:bodyPr/>
+                <a:lstStyle/>
+                <a:p>
+                  <a:r>
+                    <a:rPr lang="zh-CN" altLang="en-US">
+                      <a:noFill/>
+                    </a:rPr>
+                    <a:t> </a:t>
+                  </a:r>
+                </a:p>
+              </p:txBody>
+            </p:sp>
+          </mc:Fallback>
+        </mc:AlternateContent>
+        <mc:AlternateContent xmlns:mc="http://schemas.openxmlformats.org/markup-compatibility/2006">
+          <mc:Choice xmlns:a14="http://schemas.microsoft.com/office/drawing/2010/main" Requires="a14">
+            <p:sp>
+              <p:nvSpPr>
+                <p:cNvPr id="33" name="文本框 32">
+                  <a:extLst>
+                    <a:ext uri="{FF2B5EF4-FFF2-40B4-BE49-F238E27FC236}">
+                      <a16:creationId xmlns:a16="http://schemas.microsoft.com/office/drawing/2014/main" id="{2DDBE75C-9A2F-F372-E408-CE23665E4D07}"/>
+                    </a:ext>
+                  </a:extLst>
+                </p:cNvPr>
+                <p:cNvSpPr txBox="1"/>
+                <p:nvPr/>
+              </p:nvSpPr>
+              <p:spPr>
+                <a:xfrm>
+                  <a:off x="3933114" y="1569188"/>
+                  <a:ext cx="1227779" cy="646331"/>
+                </a:xfrm>
+                <a:prstGeom prst="rect">
+                  <a:avLst/>
+                </a:prstGeom>
+                <a:noFill/>
+              </p:spPr>
+              <p:txBody>
+                <a:bodyPr wrap="square" rtlCol="0">
+                  <a:spAutoFit/>
+                </a:bodyPr>
+                <a:lstStyle/>
+                <a:p>
+                  <a14:m>
+                    <m:oMath xmlns:m="http://schemas.openxmlformats.org/officeDocument/2006/math">
+                      <m:sSub>
+                        <m:sSubPr>
+                          <m:ctrlPr>
+                            <a:rPr lang="en-US" altLang="zh-CN" i="1" smtClean="0">
+                              <a:latin typeface="Cambria Math" panose="02040503050406030204" pitchFamily="18" charset="0"/>
+                            </a:rPr>
+                          </m:ctrlPr>
+                        </m:sSubPr>
+                        <m:e>
+                          <m:r>
+                            <a:rPr lang="en-US" altLang="zh-CN" i="1">
+                              <a:latin typeface="Cambria Math" panose="02040503050406030204" pitchFamily="18" charset="0"/>
+                            </a:rPr>
+                            <m:t>𝑃𝐼</m:t>
+                          </m:r>
+                        </m:e>
+                        <m:sub>
+                          <m:r>
+                            <a:rPr lang="en-US" altLang="zh-CN" b="0" i="1" smtClean="0">
+                              <a:latin typeface="Cambria Math" panose="02040503050406030204" pitchFamily="18" charset="0"/>
+                            </a:rPr>
+                            <m:t>2</m:t>
+                          </m:r>
+                        </m:sub>
+                      </m:sSub>
+                      <m:r>
+                        <a:rPr lang="zh-CN" altLang="en-US" i="1">
+                          <a:latin typeface="Cambria Math" panose="02040503050406030204" pitchFamily="18" charset="0"/>
+                        </a:rPr>
+                        <m:t>的</m:t>
+                      </m:r>
+                    </m:oMath>
+                  </a14:m>
+                  <a:r>
+                    <a:rPr lang="zh-CN" altLang="en-US"/>
+                    <a:t>待分配值</a:t>
+                  </a:r>
+                </a:p>
+              </p:txBody>
+            </p:sp>
+          </mc:Choice>
+          <mc:Fallback>
+            <p:sp>
+              <p:nvSpPr>
+                <p:cNvPr id="33" name="文本框 32">
+                  <a:extLst>
+                    <a:ext uri="{FF2B5EF4-FFF2-40B4-BE49-F238E27FC236}">
+                      <a16:creationId xmlns:a16="http://schemas.microsoft.com/office/drawing/2014/main" id="{2DDBE75C-9A2F-F372-E408-CE23665E4D07}"/>
+                    </a:ext>
+                  </a:extLst>
+                </p:cNvPr>
+                <p:cNvSpPr txBox="1">
+                  <a:spLocks noRot="1" noChangeAspect="1" noMove="1" noResize="1" noEditPoints="1" noAdjustHandles="1" noChangeArrowheads="1" noChangeShapeType="1" noTextEdit="1"/>
+                </p:cNvSpPr>
+                <p:nvPr/>
+              </p:nvSpPr>
+              <p:spPr>
+                <a:xfrm>
+                  <a:off x="3933114" y="1569188"/>
+                  <a:ext cx="1227779" cy="646331"/>
+                </a:xfrm>
+                <a:prstGeom prst="rect">
+                  <a:avLst/>
+                </a:prstGeom>
+                <a:blipFill>
+                  <a:blip r:embed="rId3"/>
+                  <a:stretch>
+                    <a:fillRect l="-3960" t="-4717" r="-1485" b="-14151"/>
+                  </a:stretch>
+                </a:blipFill>
+              </p:spPr>
+              <p:txBody>
+                <a:bodyPr/>
+                <a:lstStyle/>
+                <a:p>
+                  <a:r>
+                    <a:rPr lang="zh-CN" altLang="en-US">
+                      <a:noFill/>
+                    </a:rPr>
+                    <a:t> </a:t>
+                  </a:r>
+                </a:p>
+              </p:txBody>
+            </p:sp>
+          </mc:Fallback>
+        </mc:AlternateContent>
+        <mc:AlternateContent xmlns:mc="http://schemas.openxmlformats.org/markup-compatibility/2006">
+          <mc:Choice xmlns:a14="http://schemas.microsoft.com/office/drawing/2010/main" Requires="a14">
+            <p:sp>
+              <p:nvSpPr>
+                <p:cNvPr id="34" name="文本框 33">
+                  <a:extLst>
+                    <a:ext uri="{FF2B5EF4-FFF2-40B4-BE49-F238E27FC236}">
+                      <a16:creationId xmlns:a16="http://schemas.microsoft.com/office/drawing/2014/main" id="{2193650B-B15E-9D37-9487-C1EB200E477A}"/>
+                    </a:ext>
+                  </a:extLst>
+                </p:cNvPr>
+                <p:cNvSpPr txBox="1"/>
+                <p:nvPr/>
+              </p:nvSpPr>
+              <p:spPr>
+                <a:xfrm>
+                  <a:off x="5361453" y="1705278"/>
+                  <a:ext cx="1227779" cy="369332"/>
+                </a:xfrm>
+                <a:prstGeom prst="rect">
+                  <a:avLst/>
+                </a:prstGeom>
+                <a:noFill/>
+              </p:spPr>
+              <p:txBody>
+                <a:bodyPr wrap="square" rtlCol="0">
+                  <a:spAutoFit/>
+                </a:bodyPr>
+                <a:lstStyle/>
+                <a:p>
+                  <a14:m>
+                    <m:oMathPara xmlns:m="http://schemas.openxmlformats.org/officeDocument/2006/math">
+                      <m:oMathParaPr>
+                        <m:jc m:val="centerGroup"/>
+                      </m:oMathParaPr>
+                      <m:oMath xmlns:m="http://schemas.openxmlformats.org/officeDocument/2006/math">
+                        <m:sSub>
+                          <m:sSubPr>
+                            <m:ctrlPr>
+                              <a:rPr lang="en-US" altLang="zh-CN" i="1" smtClean="0">
+                                <a:latin typeface="Cambria Math" panose="02040503050406030204" pitchFamily="18" charset="0"/>
+                              </a:rPr>
+                            </m:ctrlPr>
+                          </m:sSubPr>
+                          <m:e>
+                            <m:r>
+                              <a:rPr lang="en-US" altLang="zh-CN" i="1">
+                                <a:latin typeface="Cambria Math" panose="02040503050406030204" pitchFamily="18" charset="0"/>
+                              </a:rPr>
+                              <m:t>𝑃𝐼</m:t>
+                            </m:r>
+                          </m:e>
+                          <m:sub>
+                            <m:r>
+                              <a:rPr lang="en-US" altLang="zh-CN" b="0" i="1" smtClean="0">
+                                <a:latin typeface="Cambria Math" panose="02040503050406030204" pitchFamily="18" charset="0"/>
+                              </a:rPr>
+                              <m:t>2</m:t>
+                            </m:r>
+                          </m:sub>
+                        </m:sSub>
+                        <m:r>
+                          <a:rPr lang="en-US" altLang="zh-CN" i="1" smtClean="0">
+                            <a:latin typeface="Cambria Math" panose="02040503050406030204" pitchFamily="18" charset="0"/>
+                          </a:rPr>
+                          <m:t>=</m:t>
+                        </m:r>
+                        <m:r>
+                          <a:rPr lang="en-US" altLang="zh-CN" b="0" i="1" smtClean="0">
+                            <a:latin typeface="Cambria Math" panose="02040503050406030204" pitchFamily="18" charset="0"/>
+                          </a:rPr>
+                          <m:t>0</m:t>
+                        </m:r>
+                      </m:oMath>
+                    </m:oMathPara>
+                  </a14:m>
+                  <a:endParaRPr lang="zh-CN" altLang="en-US"/>
+                </a:p>
+              </p:txBody>
+            </p:sp>
+          </mc:Choice>
+          <mc:Fallback>
+            <p:sp>
+              <p:nvSpPr>
+                <p:cNvPr id="34" name="文本框 33">
+                  <a:extLst>
+                    <a:ext uri="{FF2B5EF4-FFF2-40B4-BE49-F238E27FC236}">
+                      <a16:creationId xmlns:a16="http://schemas.microsoft.com/office/drawing/2014/main" id="{2193650B-B15E-9D37-9487-C1EB200E477A}"/>
+                    </a:ext>
+                  </a:extLst>
+                </p:cNvPr>
+                <p:cNvSpPr txBox="1">
+                  <a:spLocks noRot="1" noChangeAspect="1" noMove="1" noResize="1" noEditPoints="1" noAdjustHandles="1" noChangeArrowheads="1" noChangeShapeType="1" noTextEdit="1"/>
+                </p:cNvSpPr>
+                <p:nvPr/>
+              </p:nvSpPr>
+              <p:spPr>
+                <a:xfrm>
+                  <a:off x="5361453" y="1705278"/>
+                  <a:ext cx="1227779" cy="369332"/>
+                </a:xfrm>
+                <a:prstGeom prst="rect">
+                  <a:avLst/>
+                </a:prstGeom>
+                <a:blipFill>
+                  <a:blip r:embed="rId4"/>
+                  <a:stretch>
+                    <a:fillRect/>
+                  </a:stretch>
+                </a:blipFill>
+              </p:spPr>
+              <p:txBody>
+                <a:bodyPr/>
+                <a:lstStyle/>
+                <a:p>
+                  <a:r>
+                    <a:rPr lang="zh-CN" altLang="en-US">
+                      <a:noFill/>
+                    </a:rPr>
+                    <a:t> </a:t>
+                  </a:r>
+                </a:p>
+              </p:txBody>
+            </p:sp>
+          </mc:Fallback>
+        </mc:AlternateContent>
+        <mc:AlternateContent xmlns:mc="http://schemas.openxmlformats.org/markup-compatibility/2006">
+          <mc:Choice xmlns:a14="http://schemas.microsoft.com/office/drawing/2010/main" Requires="a14">
+            <p:sp>
+              <p:nvSpPr>
+                <p:cNvPr id="35" name="文本框 34">
+                  <a:extLst>
+                    <a:ext uri="{FF2B5EF4-FFF2-40B4-BE49-F238E27FC236}">
+                      <a16:creationId xmlns:a16="http://schemas.microsoft.com/office/drawing/2014/main" id="{1B5AEA78-C275-888F-E254-58AED789A028}"/>
+                    </a:ext>
+                  </a:extLst>
+                </p:cNvPr>
+                <p:cNvSpPr txBox="1"/>
+                <p:nvPr/>
+              </p:nvSpPr>
+              <p:spPr>
+                <a:xfrm>
+                  <a:off x="4658922" y="2426096"/>
+                  <a:ext cx="1227779" cy="369332"/>
+                </a:xfrm>
+                <a:prstGeom prst="rect">
+                  <a:avLst/>
+                </a:prstGeom>
+                <a:noFill/>
+              </p:spPr>
+              <p:txBody>
+                <a:bodyPr wrap="square" rtlCol="0">
+                  <a:spAutoFit/>
+                </a:bodyPr>
+                <a:lstStyle/>
+                <a:p>
+                  <a14:m>
+                    <m:oMathPara xmlns:m="http://schemas.openxmlformats.org/officeDocument/2006/math">
+                      <m:oMathParaPr>
+                        <m:jc m:val="centerGroup"/>
+                      </m:oMathParaPr>
+                      <m:oMath xmlns:m="http://schemas.openxmlformats.org/officeDocument/2006/math">
+                        <m:sSub>
+                          <m:sSubPr>
+                            <m:ctrlPr>
+                              <a:rPr lang="en-US" altLang="zh-CN" i="1" smtClean="0">
+                                <a:latin typeface="Cambria Math" panose="02040503050406030204" pitchFamily="18" charset="0"/>
+                              </a:rPr>
+                            </m:ctrlPr>
+                          </m:sSubPr>
+                          <m:e>
+                            <m:r>
+                              <a:rPr lang="en-US" altLang="zh-CN" i="1">
+                                <a:latin typeface="Cambria Math" panose="02040503050406030204" pitchFamily="18" charset="0"/>
+                              </a:rPr>
+                              <m:t>𝑃𝐼</m:t>
+                            </m:r>
+                          </m:e>
+                          <m:sub>
+                            <m:r>
+                              <a:rPr lang="en-US" altLang="zh-CN" b="0" i="1" smtClean="0">
+                                <a:latin typeface="Cambria Math" panose="02040503050406030204" pitchFamily="18" charset="0"/>
+                              </a:rPr>
+                              <m:t>3</m:t>
+                            </m:r>
+                          </m:sub>
+                        </m:sSub>
+                        <m:r>
+                          <a:rPr lang="en-US" altLang="zh-CN" i="1" smtClean="0">
+                            <a:latin typeface="Cambria Math" panose="02040503050406030204" pitchFamily="18" charset="0"/>
+                          </a:rPr>
+                          <m:t>=</m:t>
+                        </m:r>
+                        <m:r>
+                          <a:rPr lang="en-US" altLang="zh-CN" b="0" i="1" smtClean="0">
+                            <a:latin typeface="Cambria Math" panose="02040503050406030204" pitchFamily="18" charset="0"/>
+                          </a:rPr>
+                          <m:t>1</m:t>
+                        </m:r>
+                      </m:oMath>
+                    </m:oMathPara>
+                  </a14:m>
+                  <a:endParaRPr lang="zh-CN" altLang="en-US"/>
+                </a:p>
+              </p:txBody>
+            </p:sp>
+          </mc:Choice>
+          <mc:Fallback>
+            <p:sp>
+              <p:nvSpPr>
+                <p:cNvPr id="35" name="文本框 34">
+                  <a:extLst>
+                    <a:ext uri="{FF2B5EF4-FFF2-40B4-BE49-F238E27FC236}">
+                      <a16:creationId xmlns:a16="http://schemas.microsoft.com/office/drawing/2014/main" id="{1B5AEA78-C275-888F-E254-58AED789A028}"/>
+                    </a:ext>
+                  </a:extLst>
+                </p:cNvPr>
+                <p:cNvSpPr txBox="1">
+                  <a:spLocks noRot="1" noChangeAspect="1" noMove="1" noResize="1" noEditPoints="1" noAdjustHandles="1" noChangeArrowheads="1" noChangeShapeType="1" noTextEdit="1"/>
+                </p:cNvSpPr>
+                <p:nvPr/>
+              </p:nvSpPr>
+              <p:spPr>
+                <a:xfrm>
+                  <a:off x="4658922" y="2426096"/>
+                  <a:ext cx="1227779" cy="369332"/>
+                </a:xfrm>
+                <a:prstGeom prst="rect">
+                  <a:avLst/>
+                </a:prstGeom>
+                <a:blipFill>
+                  <a:blip r:embed="rId5"/>
+                  <a:stretch>
+                    <a:fillRect/>
+                  </a:stretch>
+                </a:blipFill>
+              </p:spPr>
+              <p:txBody>
+                <a:bodyPr/>
+                <a:lstStyle/>
+                <a:p>
+                  <a:r>
+                    <a:rPr lang="zh-CN" altLang="en-US">
+                      <a:noFill/>
+                    </a:rPr>
+                    <a:t> </a:t>
+                  </a:r>
+                </a:p>
+              </p:txBody>
+            </p:sp>
+          </mc:Fallback>
+        </mc:AlternateContent>
+        <mc:AlternateContent xmlns:mc="http://schemas.openxmlformats.org/markup-compatibility/2006">
+          <mc:Choice xmlns:a14="http://schemas.microsoft.com/office/drawing/2010/main" Requires="a14">
+            <p:sp>
+              <p:nvSpPr>
+                <p:cNvPr id="36" name="文本框 35">
+                  <a:extLst>
+                    <a:ext uri="{FF2B5EF4-FFF2-40B4-BE49-F238E27FC236}">
+                      <a16:creationId xmlns:a16="http://schemas.microsoft.com/office/drawing/2014/main" id="{35F8B332-E889-E835-D75C-51C4EB10EB82}"/>
+                    </a:ext>
+                  </a:extLst>
+                </p:cNvPr>
+                <p:cNvSpPr txBox="1"/>
+                <p:nvPr/>
+              </p:nvSpPr>
+              <p:spPr>
+                <a:xfrm>
+                  <a:off x="6049776" y="2499966"/>
+                  <a:ext cx="1227779" cy="369332"/>
+                </a:xfrm>
+                <a:prstGeom prst="rect">
+                  <a:avLst/>
+                </a:prstGeom>
+                <a:noFill/>
+              </p:spPr>
+              <p:txBody>
+                <a:bodyPr wrap="square" rtlCol="0">
+                  <a:spAutoFit/>
+                </a:bodyPr>
+                <a:lstStyle/>
+                <a:p>
+                  <a14:m>
+                    <m:oMathPara xmlns:m="http://schemas.openxmlformats.org/officeDocument/2006/math">
+                      <m:oMathParaPr>
+                        <m:jc m:val="centerGroup"/>
+                      </m:oMathParaPr>
+                      <m:oMath xmlns:m="http://schemas.openxmlformats.org/officeDocument/2006/math">
+                        <m:sSub>
+                          <m:sSubPr>
+                            <m:ctrlPr>
+                              <a:rPr lang="en-US" altLang="zh-CN" i="1" smtClean="0">
+                                <a:latin typeface="Cambria Math" panose="02040503050406030204" pitchFamily="18" charset="0"/>
+                              </a:rPr>
+                            </m:ctrlPr>
+                          </m:sSubPr>
+                          <m:e>
+                            <m:r>
+                              <a:rPr lang="en-US" altLang="zh-CN" i="1">
+                                <a:latin typeface="Cambria Math" panose="02040503050406030204" pitchFamily="18" charset="0"/>
+                              </a:rPr>
+                              <m:t>𝑃𝐼</m:t>
+                            </m:r>
+                          </m:e>
+                          <m:sub>
+                            <m:r>
+                              <a:rPr lang="en-US" altLang="zh-CN" b="0" i="1" smtClean="0">
+                                <a:latin typeface="Cambria Math" panose="02040503050406030204" pitchFamily="18" charset="0"/>
+                              </a:rPr>
+                              <m:t>3</m:t>
+                            </m:r>
+                          </m:sub>
+                        </m:sSub>
+                        <m:r>
+                          <a:rPr lang="en-US" altLang="zh-CN" i="1" smtClean="0">
+                            <a:latin typeface="Cambria Math" panose="02040503050406030204" pitchFamily="18" charset="0"/>
+                          </a:rPr>
+                          <m:t>=</m:t>
+                        </m:r>
+                        <m:r>
+                          <a:rPr lang="en-US" altLang="zh-CN" b="0" i="1" smtClean="0">
+                            <a:latin typeface="Cambria Math" panose="02040503050406030204" pitchFamily="18" charset="0"/>
+                          </a:rPr>
+                          <m:t>0</m:t>
+                        </m:r>
+                      </m:oMath>
+                    </m:oMathPara>
+                  </a14:m>
+                  <a:endParaRPr lang="zh-CN" altLang="en-US"/>
+                </a:p>
+              </p:txBody>
+            </p:sp>
+          </mc:Choice>
+          <mc:Fallback>
+            <p:sp>
+              <p:nvSpPr>
+                <p:cNvPr id="36" name="文本框 35">
+                  <a:extLst>
+                    <a:ext uri="{FF2B5EF4-FFF2-40B4-BE49-F238E27FC236}">
+                      <a16:creationId xmlns:a16="http://schemas.microsoft.com/office/drawing/2014/main" id="{35F8B332-E889-E835-D75C-51C4EB10EB82}"/>
+                    </a:ext>
+                  </a:extLst>
+                </p:cNvPr>
+                <p:cNvSpPr txBox="1">
+                  <a:spLocks noRot="1" noChangeAspect="1" noMove="1" noResize="1" noEditPoints="1" noAdjustHandles="1" noChangeArrowheads="1" noChangeShapeType="1" noTextEdit="1"/>
+                </p:cNvSpPr>
+                <p:nvPr/>
+              </p:nvSpPr>
+              <p:spPr>
+                <a:xfrm>
+                  <a:off x="6049776" y="2499966"/>
+                  <a:ext cx="1227779" cy="369332"/>
+                </a:xfrm>
+                <a:prstGeom prst="rect">
+                  <a:avLst/>
+                </a:prstGeom>
+                <a:blipFill>
+                  <a:blip r:embed="rId6"/>
+                  <a:stretch>
+                    <a:fillRect/>
+                  </a:stretch>
+                </a:blipFill>
+              </p:spPr>
+              <p:txBody>
+                <a:bodyPr/>
+                <a:lstStyle/>
+                <a:p>
+                  <a:r>
+                    <a:rPr lang="zh-CN" altLang="en-US">
+                      <a:noFill/>
+                    </a:rPr>
+                    <a:t> </a:t>
+                  </a:r>
+                </a:p>
+              </p:txBody>
+            </p:sp>
+          </mc:Fallback>
+        </mc:AlternateContent>
+        <mc:AlternateContent xmlns:mc="http://schemas.openxmlformats.org/markup-compatibility/2006">
+          <mc:Choice xmlns:a14="http://schemas.microsoft.com/office/drawing/2010/main" Requires="a14">
+            <p:sp>
+              <p:nvSpPr>
+                <p:cNvPr id="37" name="文本框 36">
+                  <a:extLst>
+                    <a:ext uri="{FF2B5EF4-FFF2-40B4-BE49-F238E27FC236}">
+                      <a16:creationId xmlns:a16="http://schemas.microsoft.com/office/drawing/2014/main" id="{30F0BCFA-0998-8665-8A4B-6504E101E5C3}"/>
+                    </a:ext>
+                  </a:extLst>
+                </p:cNvPr>
+                <p:cNvSpPr txBox="1"/>
+                <p:nvPr/>
+              </p:nvSpPr>
+              <p:spPr>
+                <a:xfrm>
+                  <a:off x="6375324" y="828749"/>
+                  <a:ext cx="1227779" cy="646331"/>
+                </a:xfrm>
+                <a:prstGeom prst="rect">
+                  <a:avLst/>
+                </a:prstGeom>
+                <a:noFill/>
+              </p:spPr>
+              <p:txBody>
+                <a:bodyPr wrap="square" rtlCol="0">
+                  <a:spAutoFit/>
+                </a:bodyPr>
+                <a:lstStyle/>
+                <a:p>
+                  <a14:m>
+                    <m:oMath xmlns:m="http://schemas.openxmlformats.org/officeDocument/2006/math">
+                      <m:sSub>
+                        <m:sSubPr>
+                          <m:ctrlPr>
+                            <a:rPr lang="en-US" altLang="zh-CN" i="1" smtClean="0">
+                              <a:latin typeface="Cambria Math" panose="02040503050406030204" pitchFamily="18" charset="0"/>
+                            </a:rPr>
+                          </m:ctrlPr>
+                        </m:sSubPr>
+                        <m:e>
+                          <m:r>
+                            <a:rPr lang="en-US" altLang="zh-CN" i="1">
+                              <a:latin typeface="Cambria Math" panose="02040503050406030204" pitchFamily="18" charset="0"/>
+                            </a:rPr>
+                            <m:t>𝑃𝐼</m:t>
+                          </m:r>
+                        </m:e>
+                        <m:sub>
+                          <m:r>
+                            <a:rPr lang="en-US" altLang="zh-CN" b="0" i="1" smtClean="0">
+                              <a:latin typeface="Cambria Math" panose="02040503050406030204" pitchFamily="18" charset="0"/>
+                            </a:rPr>
+                            <m:t>1</m:t>
+                          </m:r>
+                        </m:sub>
+                      </m:sSub>
+                      <m:r>
+                        <a:rPr lang="zh-CN" altLang="en-US" i="1">
+                          <a:latin typeface="Cambria Math" panose="02040503050406030204" pitchFamily="18" charset="0"/>
+                        </a:rPr>
+                        <m:t>的</m:t>
+                      </m:r>
+                    </m:oMath>
+                  </a14:m>
+                  <a:r>
+                    <a:rPr lang="zh-CN" altLang="en-US"/>
+                    <a:t>待分配值</a:t>
+                  </a:r>
+                </a:p>
+              </p:txBody>
+            </p:sp>
+          </mc:Choice>
+          <mc:Fallback>
+            <p:sp>
+              <p:nvSpPr>
+                <p:cNvPr id="37" name="文本框 36">
+                  <a:extLst>
+                    <a:ext uri="{FF2B5EF4-FFF2-40B4-BE49-F238E27FC236}">
+                      <a16:creationId xmlns:a16="http://schemas.microsoft.com/office/drawing/2014/main" id="{30F0BCFA-0998-8665-8A4B-6504E101E5C3}"/>
+                    </a:ext>
+                  </a:extLst>
+                </p:cNvPr>
+                <p:cNvSpPr txBox="1">
+                  <a:spLocks noRot="1" noChangeAspect="1" noMove="1" noResize="1" noEditPoints="1" noAdjustHandles="1" noChangeArrowheads="1" noChangeShapeType="1" noTextEdit="1"/>
+                </p:cNvSpPr>
+                <p:nvPr/>
+              </p:nvSpPr>
+              <p:spPr>
+                <a:xfrm>
+                  <a:off x="6375324" y="828749"/>
+                  <a:ext cx="1227779" cy="646331"/>
+                </a:xfrm>
+                <a:prstGeom prst="rect">
+                  <a:avLst/>
+                </a:prstGeom>
+                <a:blipFill>
+                  <a:blip r:embed="rId7"/>
+                  <a:stretch>
+                    <a:fillRect l="-4478" t="-5660" r="-995" b="-14151"/>
+                  </a:stretch>
+                </a:blipFill>
+              </p:spPr>
+              <p:txBody>
+                <a:bodyPr/>
+                <a:lstStyle/>
+                <a:p>
+                  <a:r>
+                    <a:rPr lang="zh-CN" altLang="en-US">
+                      <a:noFill/>
+                    </a:rPr>
+                    <a:t> </a:t>
+                  </a:r>
+                </a:p>
+              </p:txBody>
+            </p:sp>
+          </mc:Fallback>
+        </mc:AlternateContent>
+        <mc:AlternateContent xmlns:mc="http://schemas.openxmlformats.org/markup-compatibility/2006">
+          <mc:Choice xmlns:a14="http://schemas.microsoft.com/office/drawing/2010/main" Requires="a14">
+            <p:sp>
+              <p:nvSpPr>
+                <p:cNvPr id="38" name="文本框 37">
+                  <a:extLst>
+                    <a:ext uri="{FF2B5EF4-FFF2-40B4-BE49-F238E27FC236}">
+                      <a16:creationId xmlns:a16="http://schemas.microsoft.com/office/drawing/2014/main" id="{363A3AAB-F8A3-7548-6093-6116273793FF}"/>
+                    </a:ext>
+                  </a:extLst>
+                </p:cNvPr>
+                <p:cNvSpPr txBox="1"/>
+                <p:nvPr/>
+              </p:nvSpPr>
+              <p:spPr>
+                <a:xfrm>
+                  <a:off x="4928219" y="3335319"/>
+                  <a:ext cx="1227779" cy="369332"/>
+                </a:xfrm>
+                <a:prstGeom prst="rect">
+                  <a:avLst/>
+                </a:prstGeom>
+                <a:noFill/>
+              </p:spPr>
+              <p:txBody>
+                <a:bodyPr wrap="square" rtlCol="0">
+                  <a:spAutoFit/>
+                </a:bodyPr>
+                <a:lstStyle/>
+                <a:p>
+                  <a14:m>
+                    <m:oMathPara xmlns:m="http://schemas.openxmlformats.org/officeDocument/2006/math">
+                      <m:oMathParaPr>
+                        <m:jc m:val="centerGroup"/>
+                      </m:oMathParaPr>
+                      <m:oMath xmlns:m="http://schemas.openxmlformats.org/officeDocument/2006/math">
+                        <m:sSub>
+                          <m:sSubPr>
+                            <m:ctrlPr>
+                              <a:rPr lang="en-US" altLang="zh-CN" i="1" smtClean="0">
+                                <a:latin typeface="Cambria Math" panose="02040503050406030204" pitchFamily="18" charset="0"/>
+                              </a:rPr>
+                            </m:ctrlPr>
+                          </m:sSubPr>
+                          <m:e>
+                            <m:r>
+                              <a:rPr lang="en-US" altLang="zh-CN" i="1">
+                                <a:latin typeface="Cambria Math" panose="02040503050406030204" pitchFamily="18" charset="0"/>
+                              </a:rPr>
+                              <m:t>𝑃𝐼</m:t>
+                            </m:r>
+                          </m:e>
+                          <m:sub>
+                            <m:r>
+                              <a:rPr lang="en-US" altLang="zh-CN" b="0" i="1" smtClean="0">
+                                <a:latin typeface="Cambria Math" panose="02040503050406030204" pitchFamily="18" charset="0"/>
+                              </a:rPr>
+                              <m:t>4</m:t>
+                            </m:r>
+                          </m:sub>
+                        </m:sSub>
+                        <m:r>
+                          <a:rPr lang="en-US" altLang="zh-CN" i="1" smtClean="0">
+                            <a:latin typeface="Cambria Math" panose="02040503050406030204" pitchFamily="18" charset="0"/>
+                          </a:rPr>
+                          <m:t>=</m:t>
+                        </m:r>
+                        <m:r>
+                          <a:rPr lang="en-US" altLang="zh-CN" b="0" i="1" smtClean="0">
+                            <a:latin typeface="Cambria Math" panose="02040503050406030204" pitchFamily="18" charset="0"/>
+                          </a:rPr>
+                          <m:t>0</m:t>
+                        </m:r>
+                      </m:oMath>
+                    </m:oMathPara>
+                  </a14:m>
+                  <a:endParaRPr lang="zh-CN" altLang="en-US"/>
+                </a:p>
+              </p:txBody>
+            </p:sp>
+          </mc:Choice>
+          <mc:Fallback>
+            <p:sp>
+              <p:nvSpPr>
+                <p:cNvPr id="38" name="文本框 37">
+                  <a:extLst>
+                    <a:ext uri="{FF2B5EF4-FFF2-40B4-BE49-F238E27FC236}">
+                      <a16:creationId xmlns:a16="http://schemas.microsoft.com/office/drawing/2014/main" id="{363A3AAB-F8A3-7548-6093-6116273793FF}"/>
+                    </a:ext>
+                  </a:extLst>
+                </p:cNvPr>
+                <p:cNvSpPr txBox="1">
+                  <a:spLocks noRot="1" noChangeAspect="1" noMove="1" noResize="1" noEditPoints="1" noAdjustHandles="1" noChangeArrowheads="1" noChangeShapeType="1" noTextEdit="1"/>
+                </p:cNvSpPr>
+                <p:nvPr/>
+              </p:nvSpPr>
+              <p:spPr>
+                <a:xfrm>
+                  <a:off x="4928219" y="3335319"/>
+                  <a:ext cx="1227779" cy="369332"/>
+                </a:xfrm>
+                <a:prstGeom prst="rect">
+                  <a:avLst/>
+                </a:prstGeom>
+                <a:blipFill>
+                  <a:blip r:embed="rId8"/>
+                  <a:stretch>
+                    <a:fillRect/>
+                  </a:stretch>
+                </a:blipFill>
+              </p:spPr>
+              <p:txBody>
+                <a:bodyPr/>
+                <a:lstStyle/>
+                <a:p>
+                  <a:r>
+                    <a:rPr lang="zh-CN" altLang="en-US">
+                      <a:noFill/>
+                    </a:rPr>
+                    <a:t> </a:t>
+                  </a:r>
+                </a:p>
+              </p:txBody>
+            </p:sp>
+          </mc:Fallback>
+        </mc:AlternateContent>
+        <mc:AlternateContent xmlns:mc="http://schemas.openxmlformats.org/markup-compatibility/2006">
+          <mc:Choice xmlns:a14="http://schemas.microsoft.com/office/drawing/2010/main" Requires="a14">
+            <p:sp>
+              <p:nvSpPr>
+                <p:cNvPr id="39" name="文本框 38">
+                  <a:extLst>
+                    <a:ext uri="{FF2B5EF4-FFF2-40B4-BE49-F238E27FC236}">
+                      <a16:creationId xmlns:a16="http://schemas.microsoft.com/office/drawing/2014/main" id="{A1307AB3-3266-2C7F-27E4-E5E18EF1F479}"/>
+                    </a:ext>
+                  </a:extLst>
+                </p:cNvPr>
+                <p:cNvSpPr txBox="1"/>
+                <p:nvPr/>
+              </p:nvSpPr>
+              <p:spPr>
+                <a:xfrm>
+                  <a:off x="5816088" y="3479387"/>
+                  <a:ext cx="1227779" cy="369332"/>
+                </a:xfrm>
+                <a:prstGeom prst="rect">
+                  <a:avLst/>
+                </a:prstGeom>
+                <a:noFill/>
+              </p:spPr>
+              <p:txBody>
+                <a:bodyPr wrap="square" rtlCol="0">
+                  <a:spAutoFit/>
+                </a:bodyPr>
+                <a:lstStyle/>
+                <a:p>
+                  <a14:m>
+                    <m:oMathPara xmlns:m="http://schemas.openxmlformats.org/officeDocument/2006/math">
+                      <m:oMathParaPr>
+                        <m:jc m:val="centerGroup"/>
+                      </m:oMathParaPr>
+                      <m:oMath xmlns:m="http://schemas.openxmlformats.org/officeDocument/2006/math">
+                        <m:sSub>
+                          <m:sSubPr>
+                            <m:ctrlPr>
+                              <a:rPr lang="en-US" altLang="zh-CN" i="1" smtClean="0">
+                                <a:latin typeface="Cambria Math" panose="02040503050406030204" pitchFamily="18" charset="0"/>
+                              </a:rPr>
+                            </m:ctrlPr>
+                          </m:sSubPr>
+                          <m:e>
+                            <m:r>
+                              <a:rPr lang="en-US" altLang="zh-CN" i="1">
+                                <a:latin typeface="Cambria Math" panose="02040503050406030204" pitchFamily="18" charset="0"/>
+                              </a:rPr>
+                              <m:t>𝑃𝐼</m:t>
+                            </m:r>
+                          </m:e>
+                          <m:sub>
+                            <m:r>
+                              <a:rPr lang="en-US" altLang="zh-CN" b="0" i="1" smtClean="0">
+                                <a:latin typeface="Cambria Math" panose="02040503050406030204" pitchFamily="18" charset="0"/>
+                              </a:rPr>
+                              <m:t>4</m:t>
+                            </m:r>
+                          </m:sub>
+                        </m:sSub>
+                        <m:r>
+                          <a:rPr lang="en-US" altLang="zh-CN" i="1" smtClean="0">
+                            <a:latin typeface="Cambria Math" panose="02040503050406030204" pitchFamily="18" charset="0"/>
+                          </a:rPr>
+                          <m:t>=</m:t>
+                        </m:r>
+                        <m:r>
+                          <a:rPr lang="en-US" altLang="zh-CN" b="0" i="1" smtClean="0">
+                            <a:latin typeface="Cambria Math" panose="02040503050406030204" pitchFamily="18" charset="0"/>
+                          </a:rPr>
+                          <m:t>1</m:t>
+                        </m:r>
+                      </m:oMath>
+                    </m:oMathPara>
+                  </a14:m>
+                  <a:endParaRPr lang="zh-CN" altLang="en-US"/>
+                </a:p>
+              </p:txBody>
+            </p:sp>
+          </mc:Choice>
+          <mc:Fallback>
+            <p:sp>
+              <p:nvSpPr>
+                <p:cNvPr id="39" name="文本框 38">
+                  <a:extLst>
+                    <a:ext uri="{FF2B5EF4-FFF2-40B4-BE49-F238E27FC236}">
+                      <a16:creationId xmlns:a16="http://schemas.microsoft.com/office/drawing/2014/main" id="{A1307AB3-3266-2C7F-27E4-E5E18EF1F479}"/>
+                    </a:ext>
+                  </a:extLst>
+                </p:cNvPr>
+                <p:cNvSpPr txBox="1">
+                  <a:spLocks noRot="1" noChangeAspect="1" noMove="1" noResize="1" noEditPoints="1" noAdjustHandles="1" noChangeArrowheads="1" noChangeShapeType="1" noTextEdit="1"/>
+                </p:cNvSpPr>
+                <p:nvPr/>
+              </p:nvSpPr>
+              <p:spPr>
+                <a:xfrm>
+                  <a:off x="5816088" y="3479387"/>
+                  <a:ext cx="1227779" cy="369332"/>
+                </a:xfrm>
+                <a:prstGeom prst="rect">
+                  <a:avLst/>
+                </a:prstGeom>
+                <a:blipFill>
+                  <a:blip r:embed="rId9"/>
+                  <a:stretch>
+                    <a:fillRect/>
+                  </a:stretch>
+                </a:blipFill>
+              </p:spPr>
+              <p:txBody>
+                <a:bodyPr/>
+                <a:lstStyle/>
+                <a:p>
+                  <a:r>
+                    <a:rPr lang="zh-CN" altLang="en-US">
+                      <a:noFill/>
+                    </a:rPr>
+                    <a:t> </a:t>
+                  </a:r>
+                </a:p>
+              </p:txBody>
+            </p:sp>
+          </mc:Fallback>
+        </mc:AlternateContent>
+        <mc:AlternateContent xmlns:mc="http://schemas.openxmlformats.org/markup-compatibility/2006">
+          <mc:Choice xmlns:a14="http://schemas.microsoft.com/office/drawing/2010/main" Requires="a14">
+            <p:sp>
+              <p:nvSpPr>
+                <p:cNvPr id="40" name="文本框 39">
+                  <a:extLst>
+                    <a:ext uri="{FF2B5EF4-FFF2-40B4-BE49-F238E27FC236}">
+                      <a16:creationId xmlns:a16="http://schemas.microsoft.com/office/drawing/2014/main" id="{0C651B3E-344D-3B24-661D-392E24527C94}"/>
+                    </a:ext>
+                  </a:extLst>
+                </p:cNvPr>
+                <p:cNvSpPr txBox="1"/>
+                <p:nvPr/>
+              </p:nvSpPr>
+              <p:spPr>
+                <a:xfrm>
+                  <a:off x="3920691" y="3409186"/>
+                  <a:ext cx="1227779" cy="369332"/>
+                </a:xfrm>
+                <a:prstGeom prst="rect">
+                  <a:avLst/>
+                </a:prstGeom>
+                <a:noFill/>
+              </p:spPr>
+              <p:txBody>
+                <a:bodyPr wrap="square" rtlCol="0">
+                  <a:spAutoFit/>
+                </a:bodyPr>
+                <a:lstStyle/>
+                <a:p>
+                  <a14:m>
+                    <m:oMathPara xmlns:m="http://schemas.openxmlformats.org/officeDocument/2006/math">
+                      <m:oMathParaPr>
+                        <m:jc m:val="centerGroup"/>
+                      </m:oMathParaPr>
+                      <m:oMath xmlns:m="http://schemas.openxmlformats.org/officeDocument/2006/math">
+                        <m:sSub>
+                          <m:sSubPr>
+                            <m:ctrlPr>
+                              <a:rPr lang="en-US" altLang="zh-CN" i="1" smtClean="0">
+                                <a:latin typeface="Cambria Math" panose="02040503050406030204" pitchFamily="18" charset="0"/>
+                              </a:rPr>
+                            </m:ctrlPr>
+                          </m:sSubPr>
+                          <m:e>
+                            <m:r>
+                              <a:rPr lang="en-US" altLang="zh-CN" i="1">
+                                <a:latin typeface="Cambria Math" panose="02040503050406030204" pitchFamily="18" charset="0"/>
+                              </a:rPr>
+                              <m:t>𝑃𝐼</m:t>
+                            </m:r>
+                          </m:e>
+                          <m:sub>
+                            <m:r>
+                              <a:rPr lang="en-US" altLang="zh-CN" b="0" i="1" smtClean="0">
+                                <a:latin typeface="Cambria Math" panose="02040503050406030204" pitchFamily="18" charset="0"/>
+                              </a:rPr>
+                              <m:t>4</m:t>
+                            </m:r>
+                          </m:sub>
+                        </m:sSub>
+                        <m:r>
+                          <a:rPr lang="en-US" altLang="zh-CN" i="1" smtClean="0">
+                            <a:latin typeface="Cambria Math" panose="02040503050406030204" pitchFamily="18" charset="0"/>
+                          </a:rPr>
+                          <m:t>=</m:t>
+                        </m:r>
+                        <m:r>
+                          <a:rPr lang="en-US" altLang="zh-CN" b="0" i="1" smtClean="0">
+                            <a:latin typeface="Cambria Math" panose="02040503050406030204" pitchFamily="18" charset="0"/>
+                          </a:rPr>
+                          <m:t>1</m:t>
+                        </m:r>
+                      </m:oMath>
+                    </m:oMathPara>
+                  </a14:m>
+                  <a:endParaRPr lang="zh-CN" altLang="en-US"/>
+                </a:p>
+              </p:txBody>
+            </p:sp>
+          </mc:Choice>
+          <mc:Fallback>
+            <p:sp>
+              <p:nvSpPr>
+                <p:cNvPr id="40" name="文本框 39">
+                  <a:extLst>
+                    <a:ext uri="{FF2B5EF4-FFF2-40B4-BE49-F238E27FC236}">
+                      <a16:creationId xmlns:a16="http://schemas.microsoft.com/office/drawing/2014/main" id="{0C651B3E-344D-3B24-661D-392E24527C94}"/>
+                    </a:ext>
+                  </a:extLst>
+                </p:cNvPr>
+                <p:cNvSpPr txBox="1">
+                  <a:spLocks noRot="1" noChangeAspect="1" noMove="1" noResize="1" noEditPoints="1" noAdjustHandles="1" noChangeArrowheads="1" noChangeShapeType="1" noTextEdit="1"/>
+                </p:cNvSpPr>
+                <p:nvPr/>
+              </p:nvSpPr>
+              <p:spPr>
+                <a:xfrm>
+                  <a:off x="3920691" y="3409186"/>
+                  <a:ext cx="1227779" cy="369332"/>
+                </a:xfrm>
+                <a:prstGeom prst="rect">
+                  <a:avLst/>
+                </a:prstGeom>
+                <a:blipFill>
+                  <a:blip r:embed="rId10"/>
+                  <a:stretch>
+                    <a:fillRect/>
+                  </a:stretch>
+                </a:blipFill>
+              </p:spPr>
+              <p:txBody>
+                <a:bodyPr/>
+                <a:lstStyle/>
+                <a:p>
+                  <a:r>
+                    <a:rPr lang="zh-CN" altLang="en-US">
+                      <a:noFill/>
+                    </a:rPr>
+                    <a:t> </a:t>
+                  </a:r>
+                </a:p>
+              </p:txBody>
+            </p:sp>
+          </mc:Fallback>
+        </mc:AlternateContent>
+        <mc:AlternateContent xmlns:mc="http://schemas.openxmlformats.org/markup-compatibility/2006">
+          <mc:Choice xmlns:a14="http://schemas.microsoft.com/office/drawing/2010/main" Requires="a14">
+            <p:sp>
+              <p:nvSpPr>
+                <p:cNvPr id="41" name="文本框 40">
+                  <a:extLst>
+                    <a:ext uri="{FF2B5EF4-FFF2-40B4-BE49-F238E27FC236}">
+                      <a16:creationId xmlns:a16="http://schemas.microsoft.com/office/drawing/2014/main" id="{831E7E0C-D723-0FBE-54F1-75747A60F652}"/>
+                    </a:ext>
+                  </a:extLst>
+                </p:cNvPr>
+                <p:cNvSpPr txBox="1"/>
+                <p:nvPr/>
+              </p:nvSpPr>
+              <p:spPr>
+                <a:xfrm>
+                  <a:off x="6663665" y="3288158"/>
+                  <a:ext cx="1227779" cy="369332"/>
+                </a:xfrm>
+                <a:prstGeom prst="rect">
+                  <a:avLst/>
+                </a:prstGeom>
+                <a:noFill/>
+              </p:spPr>
+              <p:txBody>
+                <a:bodyPr wrap="square" rtlCol="0">
+                  <a:spAutoFit/>
+                </a:bodyPr>
+                <a:lstStyle/>
+                <a:p>
+                  <a14:m>
+                    <m:oMathPara xmlns:m="http://schemas.openxmlformats.org/officeDocument/2006/math">
+                      <m:oMathParaPr>
+                        <m:jc m:val="centerGroup"/>
+                      </m:oMathParaPr>
+                      <m:oMath xmlns:m="http://schemas.openxmlformats.org/officeDocument/2006/math">
+                        <m:sSub>
+                          <m:sSubPr>
+                            <m:ctrlPr>
+                              <a:rPr lang="en-US" altLang="zh-CN" i="1" smtClean="0">
+                                <a:latin typeface="Cambria Math" panose="02040503050406030204" pitchFamily="18" charset="0"/>
+                              </a:rPr>
+                            </m:ctrlPr>
+                          </m:sSubPr>
+                          <m:e>
+                            <m:r>
+                              <a:rPr lang="en-US" altLang="zh-CN" i="1">
+                                <a:latin typeface="Cambria Math" panose="02040503050406030204" pitchFamily="18" charset="0"/>
+                              </a:rPr>
+                              <m:t>𝑃𝐼</m:t>
+                            </m:r>
+                          </m:e>
+                          <m:sub>
+                            <m:r>
+                              <a:rPr lang="en-US" altLang="zh-CN" b="0" i="1" smtClean="0">
+                                <a:latin typeface="Cambria Math" panose="02040503050406030204" pitchFamily="18" charset="0"/>
+                              </a:rPr>
+                              <m:t>4</m:t>
+                            </m:r>
+                          </m:sub>
+                        </m:sSub>
+                        <m:r>
+                          <a:rPr lang="en-US" altLang="zh-CN" i="1" smtClean="0">
+                            <a:latin typeface="Cambria Math" panose="02040503050406030204" pitchFamily="18" charset="0"/>
+                          </a:rPr>
+                          <m:t>=</m:t>
+                        </m:r>
+                        <m:r>
+                          <a:rPr lang="en-US" altLang="zh-CN" b="0" i="1" smtClean="0">
+                            <a:latin typeface="Cambria Math" panose="02040503050406030204" pitchFamily="18" charset="0"/>
+                          </a:rPr>
+                          <m:t>0</m:t>
+                        </m:r>
+                      </m:oMath>
+                    </m:oMathPara>
+                  </a14:m>
+                  <a:endParaRPr lang="zh-CN" altLang="en-US"/>
+                </a:p>
+              </p:txBody>
+            </p:sp>
+          </mc:Choice>
+          <mc:Fallback>
+            <p:sp>
+              <p:nvSpPr>
+                <p:cNvPr id="41" name="文本框 40">
+                  <a:extLst>
+                    <a:ext uri="{FF2B5EF4-FFF2-40B4-BE49-F238E27FC236}">
+                      <a16:creationId xmlns:a16="http://schemas.microsoft.com/office/drawing/2014/main" id="{831E7E0C-D723-0FBE-54F1-75747A60F652}"/>
+                    </a:ext>
+                  </a:extLst>
+                </p:cNvPr>
+                <p:cNvSpPr txBox="1">
+                  <a:spLocks noRot="1" noChangeAspect="1" noMove="1" noResize="1" noEditPoints="1" noAdjustHandles="1" noChangeArrowheads="1" noChangeShapeType="1" noTextEdit="1"/>
+                </p:cNvSpPr>
+                <p:nvPr/>
+              </p:nvSpPr>
+              <p:spPr>
+                <a:xfrm>
+                  <a:off x="6663665" y="3288158"/>
+                  <a:ext cx="1227779" cy="369332"/>
+                </a:xfrm>
+                <a:prstGeom prst="rect">
+                  <a:avLst/>
+                </a:prstGeom>
+                <a:blipFill>
+                  <a:blip r:embed="rId11"/>
+                  <a:stretch>
+                    <a:fillRect/>
+                  </a:stretch>
+                </a:blipFill>
+              </p:spPr>
+              <p:txBody>
+                <a:bodyPr/>
+                <a:lstStyle/>
+                <a:p>
+                  <a:r>
+                    <a:rPr lang="zh-CN" altLang="en-US">
+                      <a:noFill/>
+                    </a:rPr>
+                    <a:t> </a:t>
+                  </a:r>
+                </a:p>
+              </p:txBody>
+            </p:sp>
+          </mc:Fallback>
+        </mc:AlternateContent>
+        <p:sp>
+          <p:nvSpPr>
+            <p:cNvPr id="43" name="任意多边形: 形状 42">
+              <a:extLst>
+                <a:ext uri="{FF2B5EF4-FFF2-40B4-BE49-F238E27FC236}">
+                  <a16:creationId xmlns:a16="http://schemas.microsoft.com/office/drawing/2014/main" id="{87587EC2-6C65-20CA-CBFD-167E3827E29A}"/>
+                </a:ext>
+              </a:extLst>
+            </p:cNvPr>
+            <p:cNvSpPr/>
+            <p:nvPr/>
+          </p:nvSpPr>
+          <p:spPr>
+            <a:xfrm rot="19499382">
+              <a:off x="6274104" y="1422800"/>
+              <a:ext cx="575310" cy="223123"/>
+            </a:xfrm>
+            <a:custGeom>
+              <a:avLst/>
+              <a:gdLst>
+                <a:gd name="connsiteX0" fmla="*/ 575310 w 575310"/>
+                <a:gd name="connsiteY0" fmla="*/ 0 h 297180"/>
+                <a:gd name="connsiteX1" fmla="*/ 411480 w 575310"/>
+                <a:gd name="connsiteY1" fmla="*/ 255270 h 297180"/>
+                <a:gd name="connsiteX2" fmla="*/ 186690 w 575310"/>
+                <a:gd name="connsiteY2" fmla="*/ 125730 h 297180"/>
+                <a:gd name="connsiteX3" fmla="*/ 0 w 575310"/>
+                <a:gd name="connsiteY3" fmla="*/ 297180 h 297180"/>
+                <a:gd name="connsiteX4" fmla="*/ 0 w 575310"/>
+                <a:gd name="connsiteY4" fmla="*/ 297180 h 297180"/>
+              </a:gdLst>
+              <a:ahLst/>
+              <a:cxnLst>
+                <a:cxn ang="0">
+                  <a:pos x="connsiteX0" y="connsiteY0"/>
+                </a:cxn>
+                <a:cxn ang="0">
+                  <a:pos x="connsiteX1" y="connsiteY1"/>
+                </a:cxn>
+                <a:cxn ang="0">
+                  <a:pos x="connsiteX2" y="connsiteY2"/>
+                </a:cxn>
+                <a:cxn ang="0">
+                  <a:pos x="connsiteX3" y="connsiteY3"/>
+                </a:cxn>
+                <a:cxn ang="0">
+                  <a:pos x="connsiteX4" y="connsiteY4"/>
+                </a:cxn>
+              </a:cxnLst>
+              <a:rect l="l" t="t" r="r" b="b"/>
+              <a:pathLst>
+                <a:path w="575310" h="297180">
+                  <a:moveTo>
+                    <a:pt x="575310" y="0"/>
+                  </a:moveTo>
+                  <a:cubicBezTo>
+                    <a:pt x="525780" y="117157"/>
+                    <a:pt x="476250" y="234315"/>
+                    <a:pt x="411480" y="255270"/>
+                  </a:cubicBezTo>
+                  <a:cubicBezTo>
+                    <a:pt x="346710" y="276225"/>
+                    <a:pt x="255270" y="118745"/>
+                    <a:pt x="186690" y="125730"/>
+                  </a:cubicBezTo>
+                  <a:cubicBezTo>
+                    <a:pt x="118110" y="132715"/>
+                    <a:pt x="31115" y="268605"/>
+                    <a:pt x="0" y="297180"/>
+                  </a:cubicBezTo>
+                  <a:lnTo>
+                    <a:pt x="0" y="297180"/>
+                  </a:lnTo>
+                </a:path>
+              </a:pathLst>
+            </a:custGeom>
+          </p:spPr>
+          <p:style>
+            <a:lnRef idx="2">
+              <a:schemeClr val="dk1"/>
+            </a:lnRef>
+            <a:fillRef idx="0">
+              <a:schemeClr val="dk1"/>
+            </a:fillRef>
+            <a:effectRef idx="1">
+              <a:schemeClr val="dk1"/>
+            </a:effectRef>
+            <a:fontRef idx="minor">
+              <a:schemeClr val="tx1"/>
+            </a:fontRef>
+          </p:style>
+          <p:txBody>
+            <a:bodyPr rtlCol="0" anchor="ctr"/>
+            <a:lstStyle/>
+            <a:p>
+              <a:pPr algn="ctr"/>
+              <a:endParaRPr lang="zh-CN" altLang="en-US"/>
+            </a:p>
+          </p:txBody>
+        </p:sp>
+        <p:sp>
+          <p:nvSpPr>
+            <p:cNvPr id="44" name="任意多边形: 形状 43">
+              <a:extLst>
+                <a:ext uri="{FF2B5EF4-FFF2-40B4-BE49-F238E27FC236}">
+                  <a16:creationId xmlns:a16="http://schemas.microsoft.com/office/drawing/2014/main" id="{0AF861FF-C69B-537D-573E-032A7187AE34}"/>
+                </a:ext>
+              </a:extLst>
+            </p:cNvPr>
+            <p:cNvSpPr/>
+            <p:nvPr/>
+          </p:nvSpPr>
+          <p:spPr>
+            <a:xfrm rot="19499382">
+              <a:off x="6345363" y="1491071"/>
+              <a:ext cx="575310" cy="223123"/>
+            </a:xfrm>
+            <a:custGeom>
+              <a:avLst/>
+              <a:gdLst>
+                <a:gd name="connsiteX0" fmla="*/ 575310 w 575310"/>
+                <a:gd name="connsiteY0" fmla="*/ 0 h 297180"/>
+                <a:gd name="connsiteX1" fmla="*/ 411480 w 575310"/>
+                <a:gd name="connsiteY1" fmla="*/ 255270 h 297180"/>
+                <a:gd name="connsiteX2" fmla="*/ 186690 w 575310"/>
+                <a:gd name="connsiteY2" fmla="*/ 125730 h 297180"/>
+                <a:gd name="connsiteX3" fmla="*/ 0 w 575310"/>
+                <a:gd name="connsiteY3" fmla="*/ 297180 h 297180"/>
+                <a:gd name="connsiteX4" fmla="*/ 0 w 575310"/>
+                <a:gd name="connsiteY4" fmla="*/ 297180 h 297180"/>
+              </a:gdLst>
+              <a:ahLst/>
+              <a:cxnLst>
+                <a:cxn ang="0">
+                  <a:pos x="connsiteX0" y="connsiteY0"/>
+                </a:cxn>
+                <a:cxn ang="0">
+                  <a:pos x="connsiteX1" y="connsiteY1"/>
+                </a:cxn>
+                <a:cxn ang="0">
+                  <a:pos x="connsiteX2" y="connsiteY2"/>
+                </a:cxn>
+                <a:cxn ang="0">
+                  <a:pos x="connsiteX3" y="connsiteY3"/>
+                </a:cxn>
+                <a:cxn ang="0">
+                  <a:pos x="connsiteX4" y="connsiteY4"/>
+                </a:cxn>
+              </a:cxnLst>
+              <a:rect l="l" t="t" r="r" b="b"/>
+              <a:pathLst>
+                <a:path w="575310" h="297180">
+                  <a:moveTo>
+                    <a:pt x="575310" y="0"/>
+                  </a:moveTo>
+                  <a:cubicBezTo>
+                    <a:pt x="525780" y="117157"/>
+                    <a:pt x="476250" y="234315"/>
+                    <a:pt x="411480" y="255270"/>
+                  </a:cubicBezTo>
+                  <a:cubicBezTo>
+                    <a:pt x="346710" y="276225"/>
+                    <a:pt x="255270" y="118745"/>
+                    <a:pt x="186690" y="125730"/>
+                  </a:cubicBezTo>
+                  <a:cubicBezTo>
+                    <a:pt x="118110" y="132715"/>
+                    <a:pt x="31115" y="268605"/>
+                    <a:pt x="0" y="297180"/>
+                  </a:cubicBezTo>
+                  <a:lnTo>
+                    <a:pt x="0" y="297180"/>
+                  </a:lnTo>
+                </a:path>
+              </a:pathLst>
+            </a:custGeom>
+          </p:spPr>
+          <p:style>
+            <a:lnRef idx="2">
+              <a:schemeClr val="dk1"/>
+            </a:lnRef>
+            <a:fillRef idx="0">
+              <a:schemeClr val="dk1"/>
+            </a:fillRef>
+            <a:effectRef idx="1">
+              <a:schemeClr val="dk1"/>
+            </a:effectRef>
+            <a:fontRef idx="minor">
+              <a:schemeClr val="tx1"/>
+            </a:fontRef>
+          </p:style>
+          <p:txBody>
+            <a:bodyPr rtlCol="0" anchor="ctr"/>
+            <a:lstStyle/>
+            <a:p>
+              <a:pPr algn="ctr"/>
+              <a:endParaRPr lang="zh-CN" altLang="en-US"/>
+            </a:p>
+          </p:txBody>
+        </p:sp>
+        <p:sp>
+          <p:nvSpPr>
+            <p:cNvPr id="45" name="任意多边形: 形状 44">
+              <a:extLst>
+                <a:ext uri="{FF2B5EF4-FFF2-40B4-BE49-F238E27FC236}">
+                  <a16:creationId xmlns:a16="http://schemas.microsoft.com/office/drawing/2014/main" id="{0AB987B0-1D44-A6AB-CE6C-09A718CF9A3D}"/>
+                </a:ext>
+              </a:extLst>
+            </p:cNvPr>
+            <p:cNvSpPr/>
+            <p:nvPr/>
+          </p:nvSpPr>
+          <p:spPr>
+            <a:xfrm rot="1390972">
+              <a:off x="4400435" y="2168724"/>
+              <a:ext cx="575310" cy="223123"/>
+            </a:xfrm>
+            <a:custGeom>
+              <a:avLst/>
+              <a:gdLst>
+                <a:gd name="connsiteX0" fmla="*/ 575310 w 575310"/>
+                <a:gd name="connsiteY0" fmla="*/ 0 h 297180"/>
+                <a:gd name="connsiteX1" fmla="*/ 411480 w 575310"/>
+                <a:gd name="connsiteY1" fmla="*/ 255270 h 297180"/>
+                <a:gd name="connsiteX2" fmla="*/ 186690 w 575310"/>
+                <a:gd name="connsiteY2" fmla="*/ 125730 h 297180"/>
+                <a:gd name="connsiteX3" fmla="*/ 0 w 575310"/>
+                <a:gd name="connsiteY3" fmla="*/ 297180 h 297180"/>
+                <a:gd name="connsiteX4" fmla="*/ 0 w 575310"/>
+                <a:gd name="connsiteY4" fmla="*/ 297180 h 297180"/>
+              </a:gdLst>
+              <a:ahLst/>
+              <a:cxnLst>
+                <a:cxn ang="0">
+                  <a:pos x="connsiteX0" y="connsiteY0"/>
+                </a:cxn>
+                <a:cxn ang="0">
+                  <a:pos x="connsiteX1" y="connsiteY1"/>
+                </a:cxn>
+                <a:cxn ang="0">
+                  <a:pos x="connsiteX2" y="connsiteY2"/>
+                </a:cxn>
+                <a:cxn ang="0">
+                  <a:pos x="connsiteX3" y="connsiteY3"/>
+                </a:cxn>
+                <a:cxn ang="0">
+                  <a:pos x="connsiteX4" y="connsiteY4"/>
+                </a:cxn>
+              </a:cxnLst>
+              <a:rect l="l" t="t" r="r" b="b"/>
+              <a:pathLst>
+                <a:path w="575310" h="297180">
+                  <a:moveTo>
+                    <a:pt x="575310" y="0"/>
+                  </a:moveTo>
+                  <a:cubicBezTo>
+                    <a:pt x="525780" y="117157"/>
+                    <a:pt x="476250" y="234315"/>
+                    <a:pt x="411480" y="255270"/>
+                  </a:cubicBezTo>
+                  <a:cubicBezTo>
+                    <a:pt x="346710" y="276225"/>
+                    <a:pt x="255270" y="118745"/>
+                    <a:pt x="186690" y="125730"/>
+                  </a:cubicBezTo>
+                  <a:cubicBezTo>
+                    <a:pt x="118110" y="132715"/>
+                    <a:pt x="31115" y="268605"/>
+                    <a:pt x="0" y="297180"/>
+                  </a:cubicBezTo>
+                  <a:lnTo>
+                    <a:pt x="0" y="297180"/>
+                  </a:lnTo>
+                </a:path>
+              </a:pathLst>
+            </a:custGeom>
+          </p:spPr>
+          <p:style>
+            <a:lnRef idx="2">
+              <a:schemeClr val="dk1"/>
+            </a:lnRef>
+            <a:fillRef idx="0">
+              <a:schemeClr val="dk1"/>
+            </a:fillRef>
+            <a:effectRef idx="1">
+              <a:schemeClr val="dk1"/>
+            </a:effectRef>
+            <a:fontRef idx="minor">
+              <a:schemeClr val="tx1"/>
+            </a:fontRef>
+          </p:style>
+          <p:txBody>
+            <a:bodyPr rtlCol="0" anchor="ctr"/>
+            <a:lstStyle/>
+            <a:p>
+              <a:pPr algn="ctr"/>
+              <a:endParaRPr lang="zh-CN" altLang="en-US"/>
+            </a:p>
+          </p:txBody>
+        </p:sp>
+        <p:sp>
+          <p:nvSpPr>
+            <p:cNvPr id="46" name="任意多边形: 形状 45">
+              <a:extLst>
+                <a:ext uri="{FF2B5EF4-FFF2-40B4-BE49-F238E27FC236}">
+                  <a16:creationId xmlns:a16="http://schemas.microsoft.com/office/drawing/2014/main" id="{205BE064-2BDB-2291-1B2E-CC739665135C}"/>
+                </a:ext>
+              </a:extLst>
+            </p:cNvPr>
+            <p:cNvSpPr/>
+            <p:nvPr/>
+          </p:nvSpPr>
+          <p:spPr>
+            <a:xfrm rot="1390972">
+              <a:off x="4400435" y="2249609"/>
+              <a:ext cx="575310" cy="223123"/>
+            </a:xfrm>
+            <a:custGeom>
+              <a:avLst/>
+              <a:gdLst>
+                <a:gd name="connsiteX0" fmla="*/ 575310 w 575310"/>
+                <a:gd name="connsiteY0" fmla="*/ 0 h 297180"/>
+                <a:gd name="connsiteX1" fmla="*/ 411480 w 575310"/>
+                <a:gd name="connsiteY1" fmla="*/ 255270 h 297180"/>
+                <a:gd name="connsiteX2" fmla="*/ 186690 w 575310"/>
+                <a:gd name="connsiteY2" fmla="*/ 125730 h 297180"/>
+                <a:gd name="connsiteX3" fmla="*/ 0 w 575310"/>
+                <a:gd name="connsiteY3" fmla="*/ 297180 h 297180"/>
+                <a:gd name="connsiteX4" fmla="*/ 0 w 575310"/>
+                <a:gd name="connsiteY4" fmla="*/ 297180 h 297180"/>
+              </a:gdLst>
+              <a:ahLst/>
+              <a:cxnLst>
+                <a:cxn ang="0">
+                  <a:pos x="connsiteX0" y="connsiteY0"/>
+                </a:cxn>
+                <a:cxn ang="0">
+                  <a:pos x="connsiteX1" y="connsiteY1"/>
+                </a:cxn>
+                <a:cxn ang="0">
+                  <a:pos x="connsiteX2" y="connsiteY2"/>
+                </a:cxn>
+                <a:cxn ang="0">
+                  <a:pos x="connsiteX3" y="connsiteY3"/>
+                </a:cxn>
+                <a:cxn ang="0">
+                  <a:pos x="connsiteX4" y="connsiteY4"/>
+                </a:cxn>
+              </a:cxnLst>
+              <a:rect l="l" t="t" r="r" b="b"/>
+              <a:pathLst>
+                <a:path w="575310" h="297180">
+                  <a:moveTo>
+                    <a:pt x="575310" y="0"/>
+                  </a:moveTo>
+                  <a:cubicBezTo>
+                    <a:pt x="525780" y="117157"/>
+                    <a:pt x="476250" y="234315"/>
+                    <a:pt x="411480" y="255270"/>
+                  </a:cubicBezTo>
+                  <a:cubicBezTo>
+                    <a:pt x="346710" y="276225"/>
+                    <a:pt x="255270" y="118745"/>
+                    <a:pt x="186690" y="125730"/>
+                  </a:cubicBezTo>
+                  <a:cubicBezTo>
+                    <a:pt x="118110" y="132715"/>
+                    <a:pt x="31115" y="268605"/>
+                    <a:pt x="0" y="297180"/>
+                  </a:cubicBezTo>
+                  <a:lnTo>
+                    <a:pt x="0" y="297180"/>
+                  </a:lnTo>
+                </a:path>
+              </a:pathLst>
+            </a:custGeom>
+          </p:spPr>
+          <p:style>
+            <a:lnRef idx="2">
+              <a:schemeClr val="dk1"/>
+            </a:lnRef>
+            <a:fillRef idx="0">
+              <a:schemeClr val="dk1"/>
+            </a:fillRef>
+            <a:effectRef idx="1">
+              <a:schemeClr val="dk1"/>
+            </a:effectRef>
+            <a:fontRef idx="minor">
+              <a:schemeClr val="tx1"/>
+            </a:fontRef>
+          </p:style>
+          <p:txBody>
+            <a:bodyPr rtlCol="0" anchor="ctr"/>
+            <a:lstStyle/>
+            <a:p>
+              <a:pPr algn="ctr"/>
+              <a:endParaRPr lang="zh-CN" altLang="en-US"/>
+            </a:p>
+          </p:txBody>
+        </p:sp>
+        <p:sp>
+          <p:nvSpPr>
+            <p:cNvPr id="47" name="任意多边形: 形状 46">
+              <a:extLst>
+                <a:ext uri="{FF2B5EF4-FFF2-40B4-BE49-F238E27FC236}">
+                  <a16:creationId xmlns:a16="http://schemas.microsoft.com/office/drawing/2014/main" id="{0E41F893-F4F3-291F-1820-031256C96FFE}"/>
+                </a:ext>
+              </a:extLst>
+            </p:cNvPr>
+            <p:cNvSpPr/>
+            <p:nvPr/>
+          </p:nvSpPr>
+          <p:spPr>
+            <a:xfrm rot="19499382">
+              <a:off x="6712772" y="3781228"/>
+              <a:ext cx="575310" cy="223123"/>
+            </a:xfrm>
+            <a:custGeom>
+              <a:avLst/>
+              <a:gdLst>
+                <a:gd name="connsiteX0" fmla="*/ 575310 w 575310"/>
+                <a:gd name="connsiteY0" fmla="*/ 0 h 297180"/>
+                <a:gd name="connsiteX1" fmla="*/ 411480 w 575310"/>
+                <a:gd name="connsiteY1" fmla="*/ 255270 h 297180"/>
+                <a:gd name="connsiteX2" fmla="*/ 186690 w 575310"/>
+                <a:gd name="connsiteY2" fmla="*/ 125730 h 297180"/>
+                <a:gd name="connsiteX3" fmla="*/ 0 w 575310"/>
+                <a:gd name="connsiteY3" fmla="*/ 297180 h 297180"/>
+                <a:gd name="connsiteX4" fmla="*/ 0 w 575310"/>
+                <a:gd name="connsiteY4" fmla="*/ 297180 h 297180"/>
+              </a:gdLst>
+              <a:ahLst/>
+              <a:cxnLst>
+                <a:cxn ang="0">
+                  <a:pos x="connsiteX0" y="connsiteY0"/>
+                </a:cxn>
+                <a:cxn ang="0">
+                  <a:pos x="connsiteX1" y="connsiteY1"/>
+                </a:cxn>
+                <a:cxn ang="0">
+                  <a:pos x="connsiteX2" y="connsiteY2"/>
+                </a:cxn>
+                <a:cxn ang="0">
+                  <a:pos x="connsiteX3" y="connsiteY3"/>
+                </a:cxn>
+                <a:cxn ang="0">
+                  <a:pos x="connsiteX4" y="connsiteY4"/>
+                </a:cxn>
+              </a:cxnLst>
+              <a:rect l="l" t="t" r="r" b="b"/>
+              <a:pathLst>
+                <a:path w="575310" h="297180">
+                  <a:moveTo>
+                    <a:pt x="575310" y="0"/>
+                  </a:moveTo>
+                  <a:cubicBezTo>
+                    <a:pt x="525780" y="117157"/>
+                    <a:pt x="476250" y="234315"/>
+                    <a:pt x="411480" y="255270"/>
+                  </a:cubicBezTo>
+                  <a:cubicBezTo>
+                    <a:pt x="346710" y="276225"/>
+                    <a:pt x="255270" y="118745"/>
+                    <a:pt x="186690" y="125730"/>
+                  </a:cubicBezTo>
+                  <a:cubicBezTo>
+                    <a:pt x="118110" y="132715"/>
+                    <a:pt x="31115" y="268605"/>
+                    <a:pt x="0" y="297180"/>
+                  </a:cubicBezTo>
+                  <a:lnTo>
+                    <a:pt x="0" y="297180"/>
+                  </a:lnTo>
+                </a:path>
+              </a:pathLst>
+            </a:custGeom>
+          </p:spPr>
+          <p:style>
+            <a:lnRef idx="2">
+              <a:schemeClr val="dk1"/>
+            </a:lnRef>
+            <a:fillRef idx="0">
+              <a:schemeClr val="dk1"/>
+            </a:fillRef>
+            <a:effectRef idx="1">
+              <a:schemeClr val="dk1"/>
+            </a:effectRef>
+            <a:fontRef idx="minor">
+              <a:schemeClr val="tx1"/>
+            </a:fontRef>
+          </p:style>
+          <p:txBody>
+            <a:bodyPr rtlCol="0" anchor="ctr"/>
+            <a:lstStyle/>
+            <a:p>
+              <a:pPr algn="ctr"/>
+              <a:endParaRPr lang="zh-CN" altLang="en-US"/>
+            </a:p>
+          </p:txBody>
+        </p:sp>
+        <p:sp>
+          <p:nvSpPr>
+            <p:cNvPr id="48" name="任意多边形: 形状 47">
+              <a:extLst>
+                <a:ext uri="{FF2B5EF4-FFF2-40B4-BE49-F238E27FC236}">
+                  <a16:creationId xmlns:a16="http://schemas.microsoft.com/office/drawing/2014/main" id="{64AD2388-AB23-EB45-DA2C-CDE6F215602B}"/>
+                </a:ext>
+              </a:extLst>
+            </p:cNvPr>
+            <p:cNvSpPr/>
+            <p:nvPr/>
+          </p:nvSpPr>
+          <p:spPr>
+            <a:xfrm rot="19499382">
+              <a:off x="6784031" y="3849499"/>
+              <a:ext cx="575310" cy="223123"/>
+            </a:xfrm>
+            <a:custGeom>
+              <a:avLst/>
+              <a:gdLst>
+                <a:gd name="connsiteX0" fmla="*/ 575310 w 575310"/>
+                <a:gd name="connsiteY0" fmla="*/ 0 h 297180"/>
+                <a:gd name="connsiteX1" fmla="*/ 411480 w 575310"/>
+                <a:gd name="connsiteY1" fmla="*/ 255270 h 297180"/>
+                <a:gd name="connsiteX2" fmla="*/ 186690 w 575310"/>
+                <a:gd name="connsiteY2" fmla="*/ 125730 h 297180"/>
+                <a:gd name="connsiteX3" fmla="*/ 0 w 575310"/>
+                <a:gd name="connsiteY3" fmla="*/ 297180 h 297180"/>
+                <a:gd name="connsiteX4" fmla="*/ 0 w 575310"/>
+                <a:gd name="connsiteY4" fmla="*/ 297180 h 297180"/>
+              </a:gdLst>
+              <a:ahLst/>
+              <a:cxnLst>
+                <a:cxn ang="0">
+                  <a:pos x="connsiteX0" y="connsiteY0"/>
+                </a:cxn>
+                <a:cxn ang="0">
+                  <a:pos x="connsiteX1" y="connsiteY1"/>
+                </a:cxn>
+                <a:cxn ang="0">
+                  <a:pos x="connsiteX2" y="connsiteY2"/>
+                </a:cxn>
+                <a:cxn ang="0">
+                  <a:pos x="connsiteX3" y="connsiteY3"/>
+                </a:cxn>
+                <a:cxn ang="0">
+                  <a:pos x="connsiteX4" y="connsiteY4"/>
+                </a:cxn>
+              </a:cxnLst>
+              <a:rect l="l" t="t" r="r" b="b"/>
+              <a:pathLst>
+                <a:path w="575310" h="297180">
+                  <a:moveTo>
+                    <a:pt x="575310" y="0"/>
+                  </a:moveTo>
+                  <a:cubicBezTo>
+                    <a:pt x="525780" y="117157"/>
+                    <a:pt x="476250" y="234315"/>
+                    <a:pt x="411480" y="255270"/>
+                  </a:cubicBezTo>
+                  <a:cubicBezTo>
+                    <a:pt x="346710" y="276225"/>
+                    <a:pt x="255270" y="118745"/>
+                    <a:pt x="186690" y="125730"/>
+                  </a:cubicBezTo>
+                  <a:cubicBezTo>
+                    <a:pt x="118110" y="132715"/>
+                    <a:pt x="31115" y="268605"/>
+                    <a:pt x="0" y="297180"/>
+                  </a:cubicBezTo>
+                  <a:lnTo>
+                    <a:pt x="0" y="297180"/>
+                  </a:lnTo>
+                </a:path>
+              </a:pathLst>
+            </a:custGeom>
+          </p:spPr>
+          <p:style>
+            <a:lnRef idx="2">
+              <a:schemeClr val="dk1"/>
+            </a:lnRef>
+            <a:fillRef idx="0">
+              <a:schemeClr val="dk1"/>
+            </a:fillRef>
+            <a:effectRef idx="1">
+              <a:schemeClr val="dk1"/>
+            </a:effectRef>
+            <a:fontRef idx="minor">
+              <a:schemeClr val="tx1"/>
+            </a:fontRef>
+          </p:style>
+          <p:txBody>
+            <a:bodyPr rtlCol="0" anchor="ctr"/>
+            <a:lstStyle/>
+            <a:p>
+              <a:pPr algn="ctr"/>
+              <a:endParaRPr lang="zh-CN" altLang="en-US"/>
+            </a:p>
+          </p:txBody>
+        </p:sp>
+        <p:sp>
+          <p:nvSpPr>
+            <p:cNvPr id="49" name="文本框 48">
+              <a:extLst>
+                <a:ext uri="{FF2B5EF4-FFF2-40B4-BE49-F238E27FC236}">
+                  <a16:creationId xmlns:a16="http://schemas.microsoft.com/office/drawing/2014/main" id="{B8F7CBF1-B188-BE3A-DE2C-5BF17904811A}"/>
+                </a:ext>
+              </a:extLst>
+            </p:cNvPr>
+            <p:cNvSpPr txBox="1"/>
+            <p:nvPr/>
+          </p:nvSpPr>
+          <p:spPr>
+            <a:xfrm>
+              <a:off x="4602948" y="3831286"/>
+              <a:ext cx="308711" cy="923330"/>
+            </a:xfrm>
+            <a:prstGeom prst="rect">
+              <a:avLst/>
+            </a:prstGeom>
+            <a:noFill/>
+          </p:spPr>
+          <p:txBody>
+            <a:bodyPr wrap="square" rtlCol="0">
+              <a:spAutoFit/>
+            </a:bodyPr>
+            <a:lstStyle/>
+            <a:p>
+              <a:r>
+                <a:rPr lang="zh-CN" altLang="en-US"/>
+                <a:t>无测试</a:t>
+              </a:r>
+            </a:p>
+          </p:txBody>
+        </p:sp>
+        <p:sp>
+          <p:nvSpPr>
+            <p:cNvPr id="50" name="文本框 49">
+              <a:extLst>
+                <a:ext uri="{FF2B5EF4-FFF2-40B4-BE49-F238E27FC236}">
+                  <a16:creationId xmlns:a16="http://schemas.microsoft.com/office/drawing/2014/main" id="{35179CD1-AF6B-C395-D40B-E37654431E1D}"/>
+                </a:ext>
+              </a:extLst>
+            </p:cNvPr>
+            <p:cNvSpPr txBox="1"/>
+            <p:nvPr/>
+          </p:nvSpPr>
+          <p:spPr>
+            <a:xfrm>
+              <a:off x="5476276" y="3854785"/>
+              <a:ext cx="308711" cy="923330"/>
+            </a:xfrm>
+            <a:prstGeom prst="rect">
+              <a:avLst/>
+            </a:prstGeom>
+            <a:noFill/>
+          </p:spPr>
+          <p:txBody>
+            <a:bodyPr wrap="square" rtlCol="0">
+              <a:spAutoFit/>
+            </a:bodyPr>
+            <a:lstStyle/>
+            <a:p>
+              <a:r>
+                <a:rPr lang="zh-CN" altLang="en-US"/>
+                <a:t>无测试</a:t>
+              </a:r>
+            </a:p>
+          </p:txBody>
+        </p:sp>
+      </p:grpSp>
+    </p:spTree>
+    <p:extLst>
+      <p:ext uri="{BB962C8B-B14F-4D97-AF65-F5344CB8AC3E}">
+        <p14:creationId xmlns:p14="http://schemas.microsoft.com/office/powerpoint/2010/main" val="3822593506"/>
+      </p:ext>
+    </p:extLst>
+  </p:cSld>
+  <p:clrMapOvr>
+    <a:masterClrMapping/>
+  </p:clrMapOvr>
+</p:sld>
+</file>
+
+<file path=ppt/slides/slide4.xml><?xml version="1.0" encoding="utf-8"?>
+<p:sld xmlns:a="http://schemas.openxmlformats.org/drawingml/2006/main" xmlns:r="http://schemas.openxmlformats.org/officeDocument/2006/relationships" xmlns:p="http://schemas.openxmlformats.org/presentationml/2006/main">
+  <p:cSld>
+    <p:spTree>
+      <p:nvGrpSpPr>
+        <p:cNvPr id="1" name=""/>
+        <p:cNvGrpSpPr/>
+        <p:nvPr/>
+      </p:nvGrpSpPr>
+      <p:grpSpPr>
+        <a:xfrm>
+          <a:off x="0" y="0"/>
+          <a:ext cx="0" cy="0"/>
+          <a:chOff x="0" y="0"/>
+          <a:chExt cx="0" cy="0"/>
+        </a:xfrm>
+      </p:grpSpPr>
+      <p:grpSp>
+        <p:nvGrpSpPr>
           <p:cNvPr id="47" name="组合 46">
             <a:extLst>
               <a:ext uri="{FF2B5EF4-FFF2-40B4-BE49-F238E27FC236}">
@@ -5567,7 +9813,7 @@
 </p:sld>
 </file>
 
-<file path=ppt/slides/slide3.xml><?xml version="1.0" encoding="utf-8"?>
+<file path=ppt/slides/slide5.xml><?xml version="1.0" encoding="utf-8"?>
 <p:sld xmlns:a="http://schemas.openxmlformats.org/drawingml/2006/main" xmlns:r="http://schemas.openxmlformats.org/officeDocument/2006/relationships" xmlns:p="http://schemas.openxmlformats.org/presentationml/2006/main">
   <p:cSld>
     <p:spTree>

--- a/model.pptx
+++ b/model.pptx
@@ -263,7 +263,7 @@
           <a:p>
             <a:fld id="{9781FC55-7600-4040-8FFA-A849FF4DA027}" type="datetimeFigureOut">
               <a:rPr lang="zh-CN" altLang="en-US" smtClean="0"/>
-              <a:t>2023/5/25</a:t>
+              <a:t>2023/5/27</a:t>
             </a:fld>
             <a:endParaRPr lang="zh-CN" altLang="en-US"/>
           </a:p>
@@ -461,7 +461,7 @@
           <a:p>
             <a:fld id="{9781FC55-7600-4040-8FFA-A849FF4DA027}" type="datetimeFigureOut">
               <a:rPr lang="zh-CN" altLang="en-US" smtClean="0"/>
-              <a:t>2023/5/25</a:t>
+              <a:t>2023/5/27</a:t>
             </a:fld>
             <a:endParaRPr lang="zh-CN" altLang="en-US"/>
           </a:p>
@@ -669,7 +669,7 @@
           <a:p>
             <a:fld id="{9781FC55-7600-4040-8FFA-A849FF4DA027}" type="datetimeFigureOut">
               <a:rPr lang="zh-CN" altLang="en-US" smtClean="0"/>
-              <a:t>2023/5/25</a:t>
+              <a:t>2023/5/27</a:t>
             </a:fld>
             <a:endParaRPr lang="zh-CN" altLang="en-US"/>
           </a:p>
@@ -867,7 +867,7 @@
           <a:p>
             <a:fld id="{9781FC55-7600-4040-8FFA-A849FF4DA027}" type="datetimeFigureOut">
               <a:rPr lang="zh-CN" altLang="en-US" smtClean="0"/>
-              <a:t>2023/5/25</a:t>
+              <a:t>2023/5/27</a:t>
             </a:fld>
             <a:endParaRPr lang="zh-CN" altLang="en-US"/>
           </a:p>
@@ -1142,7 +1142,7 @@
           <a:p>
             <a:fld id="{9781FC55-7600-4040-8FFA-A849FF4DA027}" type="datetimeFigureOut">
               <a:rPr lang="zh-CN" altLang="en-US" smtClean="0"/>
-              <a:t>2023/5/25</a:t>
+              <a:t>2023/5/27</a:t>
             </a:fld>
             <a:endParaRPr lang="zh-CN" altLang="en-US"/>
           </a:p>
@@ -1407,7 +1407,7 @@
           <a:p>
             <a:fld id="{9781FC55-7600-4040-8FFA-A849FF4DA027}" type="datetimeFigureOut">
               <a:rPr lang="zh-CN" altLang="en-US" smtClean="0"/>
-              <a:t>2023/5/25</a:t>
+              <a:t>2023/5/27</a:t>
             </a:fld>
             <a:endParaRPr lang="zh-CN" altLang="en-US"/>
           </a:p>
@@ -1819,7 +1819,7 @@
           <a:p>
             <a:fld id="{9781FC55-7600-4040-8FFA-A849FF4DA027}" type="datetimeFigureOut">
               <a:rPr lang="zh-CN" altLang="en-US" smtClean="0"/>
-              <a:t>2023/5/25</a:t>
+              <a:t>2023/5/27</a:t>
             </a:fld>
             <a:endParaRPr lang="zh-CN" altLang="en-US"/>
           </a:p>
@@ -1960,7 +1960,7 @@
           <a:p>
             <a:fld id="{9781FC55-7600-4040-8FFA-A849FF4DA027}" type="datetimeFigureOut">
               <a:rPr lang="zh-CN" altLang="en-US" smtClean="0"/>
-              <a:t>2023/5/25</a:t>
+              <a:t>2023/5/27</a:t>
             </a:fld>
             <a:endParaRPr lang="zh-CN" altLang="en-US"/>
           </a:p>
@@ -2073,7 +2073,7 @@
           <a:p>
             <a:fld id="{9781FC55-7600-4040-8FFA-A849FF4DA027}" type="datetimeFigureOut">
               <a:rPr lang="zh-CN" altLang="en-US" smtClean="0"/>
-              <a:t>2023/5/25</a:t>
+              <a:t>2023/5/27</a:t>
             </a:fld>
             <a:endParaRPr lang="zh-CN" altLang="en-US"/>
           </a:p>
@@ -2384,7 +2384,7 @@
           <a:p>
             <a:fld id="{9781FC55-7600-4040-8FFA-A849FF4DA027}" type="datetimeFigureOut">
               <a:rPr lang="zh-CN" altLang="en-US" smtClean="0"/>
-              <a:t>2023/5/25</a:t>
+              <a:t>2023/5/27</a:t>
             </a:fld>
             <a:endParaRPr lang="zh-CN" altLang="en-US"/>
           </a:p>
@@ -2672,7 +2672,7 @@
           <a:p>
             <a:fld id="{9781FC55-7600-4040-8FFA-A849FF4DA027}" type="datetimeFigureOut">
               <a:rPr lang="zh-CN" altLang="en-US" smtClean="0"/>
-              <a:t>2023/5/25</a:t>
+              <a:t>2023/5/27</a:t>
             </a:fld>
             <a:endParaRPr lang="zh-CN" altLang="en-US"/>
           </a:p>
@@ -2913,7 +2913,7 @@
           <a:p>
             <a:fld id="{9781FC55-7600-4040-8FFA-A849FF4DA027}" type="datetimeFigureOut">
               <a:rPr lang="zh-CN" altLang="en-US" smtClean="0"/>
-              <a:t>2023/5/25</a:t>
+              <a:t>2023/5/27</a:t>
             </a:fld>
             <a:endParaRPr lang="zh-CN" altLang="en-US"/>
           </a:p>
@@ -7271,8 +7271,8 @@
             </p:cxnSp>
           </p:grpSp>
         </p:grpSp>
-        <mc:AlternateContent xmlns:mc="http://schemas.openxmlformats.org/markup-compatibility/2006">
-          <mc:Choice xmlns:a14="http://schemas.microsoft.com/office/drawing/2010/main" Requires="a14">
+        <mc:AlternateContent xmlns:mc="http://schemas.openxmlformats.org/markup-compatibility/2006" xmlns:a14="http://schemas.microsoft.com/office/drawing/2010/main">
+          <mc:Choice Requires="a14">
             <p:sp>
               <p:nvSpPr>
                 <p:cNvPr id="32" name="文本框 31">
@@ -7301,6 +7301,7 @@
                 </a:bodyPr>
                 <a:lstStyle/>
                 <a:p>
+                  <a:pPr/>
                   <a14:m>
                     <m:oMathPara xmlns:m="http://schemas.openxmlformats.org/officeDocument/2006/math">
                       <m:oMathParaPr>
@@ -7346,7 +7347,7 @@
               </p:txBody>
             </p:sp>
           </mc:Choice>
-          <mc:Fallback>
+          <mc:Fallback xmlns="">
             <p:sp>
               <p:nvSpPr>
                 <p:cNvPr id="32" name="文本框 31">
@@ -7391,8 +7392,8 @@
             </p:sp>
           </mc:Fallback>
         </mc:AlternateContent>
-        <mc:AlternateContent xmlns:mc="http://schemas.openxmlformats.org/markup-compatibility/2006">
-          <mc:Choice xmlns:a14="http://schemas.microsoft.com/office/drawing/2010/main" Requires="a14">
+        <mc:AlternateContent xmlns:mc="http://schemas.openxmlformats.org/markup-compatibility/2006" xmlns:a14="http://schemas.microsoft.com/office/drawing/2010/main">
+          <mc:Choice Requires="a14">
             <p:sp>
               <p:nvSpPr>
                 <p:cNvPr id="33" name="文本框 32">
@@ -7464,7 +7465,7 @@
               </p:txBody>
             </p:sp>
           </mc:Choice>
-          <mc:Fallback>
+          <mc:Fallback xmlns="">
             <p:sp>
               <p:nvSpPr>
                 <p:cNvPr id="33" name="文本框 32">
@@ -7509,8 +7510,8 @@
             </p:sp>
           </mc:Fallback>
         </mc:AlternateContent>
-        <mc:AlternateContent xmlns:mc="http://schemas.openxmlformats.org/markup-compatibility/2006">
-          <mc:Choice xmlns:a14="http://schemas.microsoft.com/office/drawing/2010/main" Requires="a14">
+        <mc:AlternateContent xmlns:mc="http://schemas.openxmlformats.org/markup-compatibility/2006" xmlns:a14="http://schemas.microsoft.com/office/drawing/2010/main">
+          <mc:Choice Requires="a14">
             <p:sp>
               <p:nvSpPr>
                 <p:cNvPr id="34" name="文本框 33">
@@ -7539,6 +7540,7 @@
                 </a:bodyPr>
                 <a:lstStyle/>
                 <a:p>
+                  <a:pPr/>
                   <a14:m>
                     <m:oMathPara xmlns:m="http://schemas.openxmlformats.org/officeDocument/2006/math">
                       <m:oMathParaPr>
@@ -7590,7 +7592,7 @@
               </p:txBody>
             </p:sp>
           </mc:Choice>
-          <mc:Fallback>
+          <mc:Fallback xmlns="">
             <p:sp>
               <p:nvSpPr>
                 <p:cNvPr id="34" name="文本框 33">
@@ -7635,8 +7637,8 @@
             </p:sp>
           </mc:Fallback>
         </mc:AlternateContent>
-        <mc:AlternateContent xmlns:mc="http://schemas.openxmlformats.org/markup-compatibility/2006">
-          <mc:Choice xmlns:a14="http://schemas.microsoft.com/office/drawing/2010/main" Requires="a14">
+        <mc:AlternateContent xmlns:mc="http://schemas.openxmlformats.org/markup-compatibility/2006" xmlns:a14="http://schemas.microsoft.com/office/drawing/2010/main">
+          <mc:Choice Requires="a14">
             <p:sp>
               <p:nvSpPr>
                 <p:cNvPr id="35" name="文本框 34">
@@ -7665,6 +7667,7 @@
                 </a:bodyPr>
                 <a:lstStyle/>
                 <a:p>
+                  <a:pPr/>
                   <a14:m>
                     <m:oMathPara xmlns:m="http://schemas.openxmlformats.org/officeDocument/2006/math">
                       <m:oMathParaPr>
@@ -7716,7 +7719,7 @@
               </p:txBody>
             </p:sp>
           </mc:Choice>
-          <mc:Fallback>
+          <mc:Fallback xmlns="">
             <p:sp>
               <p:nvSpPr>
                 <p:cNvPr id="35" name="文本框 34">
@@ -7761,8 +7764,8 @@
             </p:sp>
           </mc:Fallback>
         </mc:AlternateContent>
-        <mc:AlternateContent xmlns:mc="http://schemas.openxmlformats.org/markup-compatibility/2006">
-          <mc:Choice xmlns:a14="http://schemas.microsoft.com/office/drawing/2010/main" Requires="a14">
+        <mc:AlternateContent xmlns:mc="http://schemas.openxmlformats.org/markup-compatibility/2006" xmlns:a14="http://schemas.microsoft.com/office/drawing/2010/main">
+          <mc:Choice Requires="a14">
             <p:sp>
               <p:nvSpPr>
                 <p:cNvPr id="36" name="文本框 35">
@@ -7791,6 +7794,7 @@
                 </a:bodyPr>
                 <a:lstStyle/>
                 <a:p>
+                  <a:pPr/>
                   <a14:m>
                     <m:oMathPara xmlns:m="http://schemas.openxmlformats.org/officeDocument/2006/math">
                       <m:oMathParaPr>
@@ -7842,7 +7846,7 @@
               </p:txBody>
             </p:sp>
           </mc:Choice>
-          <mc:Fallback>
+          <mc:Fallback xmlns="">
             <p:sp>
               <p:nvSpPr>
                 <p:cNvPr id="36" name="文本框 35">
@@ -7887,8 +7891,8 @@
             </p:sp>
           </mc:Fallback>
         </mc:AlternateContent>
-        <mc:AlternateContent xmlns:mc="http://schemas.openxmlformats.org/markup-compatibility/2006">
-          <mc:Choice xmlns:a14="http://schemas.microsoft.com/office/drawing/2010/main" Requires="a14">
+        <mc:AlternateContent xmlns:mc="http://schemas.openxmlformats.org/markup-compatibility/2006" xmlns:a14="http://schemas.microsoft.com/office/drawing/2010/main">
+          <mc:Choice Requires="a14">
             <p:sp>
               <p:nvSpPr>
                 <p:cNvPr id="37" name="文本框 36">
@@ -7960,7 +7964,7 @@
               </p:txBody>
             </p:sp>
           </mc:Choice>
-          <mc:Fallback>
+          <mc:Fallback xmlns="">
             <p:sp>
               <p:nvSpPr>
                 <p:cNvPr id="37" name="文本框 36">
@@ -8005,8 +8009,8 @@
             </p:sp>
           </mc:Fallback>
         </mc:AlternateContent>
-        <mc:AlternateContent xmlns:mc="http://schemas.openxmlformats.org/markup-compatibility/2006">
-          <mc:Choice xmlns:a14="http://schemas.microsoft.com/office/drawing/2010/main" Requires="a14">
+        <mc:AlternateContent xmlns:mc="http://schemas.openxmlformats.org/markup-compatibility/2006" xmlns:a14="http://schemas.microsoft.com/office/drawing/2010/main">
+          <mc:Choice Requires="a14">
             <p:sp>
               <p:nvSpPr>
                 <p:cNvPr id="38" name="文本框 37">
@@ -8035,6 +8039,7 @@
                 </a:bodyPr>
                 <a:lstStyle/>
                 <a:p>
+                  <a:pPr/>
                   <a14:m>
                     <m:oMathPara xmlns:m="http://schemas.openxmlformats.org/officeDocument/2006/math">
                       <m:oMathParaPr>
@@ -8086,7 +8091,7 @@
               </p:txBody>
             </p:sp>
           </mc:Choice>
-          <mc:Fallback>
+          <mc:Fallback xmlns="">
             <p:sp>
               <p:nvSpPr>
                 <p:cNvPr id="38" name="文本框 37">
@@ -8131,8 +8136,8 @@
             </p:sp>
           </mc:Fallback>
         </mc:AlternateContent>
-        <mc:AlternateContent xmlns:mc="http://schemas.openxmlformats.org/markup-compatibility/2006">
-          <mc:Choice xmlns:a14="http://schemas.microsoft.com/office/drawing/2010/main" Requires="a14">
+        <mc:AlternateContent xmlns:mc="http://schemas.openxmlformats.org/markup-compatibility/2006" xmlns:a14="http://schemas.microsoft.com/office/drawing/2010/main">
+          <mc:Choice Requires="a14">
             <p:sp>
               <p:nvSpPr>
                 <p:cNvPr id="39" name="文本框 38">
@@ -8161,6 +8166,7 @@
                 </a:bodyPr>
                 <a:lstStyle/>
                 <a:p>
+                  <a:pPr/>
                   <a14:m>
                     <m:oMathPara xmlns:m="http://schemas.openxmlformats.org/officeDocument/2006/math">
                       <m:oMathParaPr>
@@ -8212,7 +8218,7 @@
               </p:txBody>
             </p:sp>
           </mc:Choice>
-          <mc:Fallback>
+          <mc:Fallback xmlns="">
             <p:sp>
               <p:nvSpPr>
                 <p:cNvPr id="39" name="文本框 38">
@@ -8257,8 +8263,8 @@
             </p:sp>
           </mc:Fallback>
         </mc:AlternateContent>
-        <mc:AlternateContent xmlns:mc="http://schemas.openxmlformats.org/markup-compatibility/2006">
-          <mc:Choice xmlns:a14="http://schemas.microsoft.com/office/drawing/2010/main" Requires="a14">
+        <mc:AlternateContent xmlns:mc="http://schemas.openxmlformats.org/markup-compatibility/2006" xmlns:a14="http://schemas.microsoft.com/office/drawing/2010/main">
+          <mc:Choice Requires="a14">
             <p:sp>
               <p:nvSpPr>
                 <p:cNvPr id="40" name="文本框 39">
@@ -8287,6 +8293,7 @@
                 </a:bodyPr>
                 <a:lstStyle/>
                 <a:p>
+                  <a:pPr/>
                   <a14:m>
                     <m:oMathPara xmlns:m="http://schemas.openxmlformats.org/officeDocument/2006/math">
                       <m:oMathParaPr>
@@ -8338,7 +8345,7 @@
               </p:txBody>
             </p:sp>
           </mc:Choice>
-          <mc:Fallback>
+          <mc:Fallback xmlns="">
             <p:sp>
               <p:nvSpPr>
                 <p:cNvPr id="40" name="文本框 39">
@@ -8383,8 +8390,8 @@
             </p:sp>
           </mc:Fallback>
         </mc:AlternateContent>
-        <mc:AlternateContent xmlns:mc="http://schemas.openxmlformats.org/markup-compatibility/2006">
-          <mc:Choice xmlns:a14="http://schemas.microsoft.com/office/drawing/2010/main" Requires="a14">
+        <mc:AlternateContent xmlns:mc="http://schemas.openxmlformats.org/markup-compatibility/2006" xmlns:a14="http://schemas.microsoft.com/office/drawing/2010/main">
+          <mc:Choice Requires="a14">
             <p:sp>
               <p:nvSpPr>
                 <p:cNvPr id="41" name="文本框 40">
@@ -8413,6 +8420,7 @@
                 </a:bodyPr>
                 <a:lstStyle/>
                 <a:p>
+                  <a:pPr/>
                   <a14:m>
                     <m:oMathPara xmlns:m="http://schemas.openxmlformats.org/officeDocument/2006/math">
                       <m:oMathParaPr>
@@ -8464,7 +8472,7 @@
               </p:txBody>
             </p:sp>
           </mc:Choice>
-          <mc:Fallback>
+          <mc:Fallback xmlns="">
             <p:sp>
               <p:nvSpPr>
                 <p:cNvPr id="41" name="文本框 40">
@@ -9225,9 +9233,9 @@
         <p:grpSpPr>
           <a:xfrm>
             <a:off x="2662989" y="1307433"/>
-            <a:ext cx="6160169" cy="1755669"/>
+            <a:ext cx="6160169" cy="1954232"/>
             <a:chOff x="2662989" y="1307433"/>
-            <a:chExt cx="6160169" cy="1755669"/>
+            <a:chExt cx="6160169" cy="1954232"/>
           </a:xfrm>
         </p:grpSpPr>
         <p:grpSp>
@@ -9771,7 +9779,7 @@
           </p:nvSpPr>
           <p:spPr>
             <a:xfrm>
-              <a:off x="5743076" y="2140044"/>
+              <a:off x="3585410" y="2369113"/>
               <a:ext cx="994611" cy="892552"/>
             </a:xfrm>
             <a:prstGeom prst="rect">
@@ -9792,8 +9800,8 @@
             </a:p>
             <a:p>
               <a:r>
-                <a:rPr lang="en-US" altLang="zh-CN" sz="2000" dirty="0"/>
-                <a:t>(s-a-1)</a:t>
+                <a:rPr lang="en-US" altLang="zh-CN" sz="2000"/>
+                <a:t>(s-a-0)</a:t>
               </a:r>
               <a:endParaRPr lang="zh-CN" altLang="en-US" sz="2000" dirty="0"/>
             </a:p>
